--- a/docs/project_final_presentation.pptx
+++ b/docs/project_final_presentation.pptx
@@ -380,7 +380,7 @@
           <a:p>
             <a:fld id="{484FEB8E-57CB-43C0-BEF7-4F4116A5252C}" type="datetimeFigureOut">
               <a:rPr lang="de-CH" smtClean="0"/>
-              <a:t>12.06.23</a:t>
+              <a:t>13.06.23</a:t>
             </a:fld>
             <a:endParaRPr lang="de-CH"/>
           </a:p>
@@ -3840,20 +3840,21 @@
           <a:bodyPr/>
           <a:lstStyle/>
           <a:p>
-            <a:pPr marL="0" lvl="1" indent="0">
-              <a:buNone/>
-            </a:pPr>
+            <a:pPr lvl="1"/>
             <a:r>
               <a:rPr lang="en-GB" dirty="0"/>
-              <a:t>About </a:t>
-            </a:r>
-            <a:r>
-              <a:rPr lang="en-GB" dirty="0" err="1"/>
-              <a:t>commands.c</a:t>
-            </a:r>
+              <a:t>The productivity mode is a separate thread.</a:t>
+            </a:r>
+          </a:p>
+          <a:p>
+            <a:pPr lvl="1"/>
+            <a:endParaRPr lang="en-GB" dirty="0"/>
+          </a:p>
+          <a:p>
+            <a:pPr lvl="1"/>
             <a:r>
               <a:rPr lang="en-GB" dirty="0"/>
-              <a:t>, process blocking etc.</a:t>
+              <a:t>If a new window is created, the blocked processes are killed.</a:t>
             </a:r>
           </a:p>
         </p:txBody>
@@ -3934,6 +3935,187 @@
               <a:t>11</a:t>
             </a:fld>
             <a:endParaRPr lang="en-GB" dirty="0"/>
+          </a:p>
+        </p:txBody>
+      </p:sp>
+      <p:sp>
+        <p:nvSpPr>
+          <p:cNvPr id="7" name="Textfeld 6">
+            <a:extLst>
+              <a:ext uri="{FF2B5EF4-FFF2-40B4-BE49-F238E27FC236}">
+                <a16:creationId xmlns:a16="http://schemas.microsoft.com/office/drawing/2014/main" id="{3749996D-2867-4B7B-9C6F-DA5A696FF03B}"/>
+              </a:ext>
+            </a:extLst>
+          </p:cNvPr>
+          <p:cNvSpPr txBox="1"/>
+          <p:nvPr/>
+        </p:nvSpPr>
+        <p:spPr>
+          <a:xfrm>
+            <a:off x="431800" y="2672576"/>
+            <a:ext cx="5760640" cy="2340222"/>
+          </a:xfrm>
+          <a:prstGeom prst="rect">
+            <a:avLst/>
+          </a:prstGeom>
+          <a:solidFill>
+            <a:schemeClr val="bg1">
+              <a:lumMod val="95000"/>
+            </a:schemeClr>
+          </a:solidFill>
+          <a:ln w="25400">
+            <a:solidFill>
+              <a:schemeClr val="tx1"/>
+            </a:solidFill>
+          </a:ln>
+        </p:spPr>
+        <p:txBody>
+          <a:bodyPr wrap="square" lIns="180000" tIns="180000" rIns="180000" bIns="180000" rtlCol="0">
+            <a:noAutofit/>
+          </a:bodyPr>
+          <a:lstStyle/>
+          <a:p>
+            <a:pPr>
+              <a:lnSpc>
+                <a:spcPts val="2200"/>
+              </a:lnSpc>
+            </a:pPr>
+            <a:r>
+              <a:rPr lang="en-GB" dirty="0">
+                <a:solidFill>
+                  <a:schemeClr val="accent5"/>
+                </a:solidFill>
+              </a:rPr>
+              <a:t>while</a:t>
+            </a:r>
+            <a:r>
+              <a:rPr lang="en-GB" dirty="0"/>
+              <a:t> (running) {</a:t>
+            </a:r>
+          </a:p>
+          <a:p>
+            <a:pPr>
+              <a:lnSpc>
+                <a:spcPts val="2200"/>
+              </a:lnSpc>
+            </a:pPr>
+            <a:r>
+              <a:rPr lang="en-GB" dirty="0">
+                <a:solidFill>
+                  <a:schemeClr val="accent5"/>
+                </a:solidFill>
+              </a:rPr>
+              <a:t>        if</a:t>
+            </a:r>
+            <a:r>
+              <a:rPr lang="en-GB" dirty="0"/>
+              <a:t> (</a:t>
+            </a:r>
+            <a:r>
+              <a:rPr lang="en-GB" dirty="0" err="1"/>
+              <a:t>new_UI_event</a:t>
+            </a:r>
+            <a:r>
+              <a:rPr lang="en-GB" dirty="0"/>
+              <a:t>) {</a:t>
+            </a:r>
+          </a:p>
+          <a:p>
+            <a:pPr>
+              <a:lnSpc>
+                <a:spcPts val="2200"/>
+              </a:lnSpc>
+            </a:pPr>
+            <a:r>
+              <a:rPr lang="en-GB" dirty="0">
+                <a:solidFill>
+                  <a:schemeClr val="accent5"/>
+                </a:solidFill>
+              </a:rPr>
+              <a:t>                if</a:t>
+            </a:r>
+            <a:r>
+              <a:rPr lang="en-GB" dirty="0"/>
+              <a:t> (</a:t>
+            </a:r>
+            <a:r>
+              <a:rPr lang="en-GB" dirty="0" err="1"/>
+              <a:t>is_window_event</a:t>
+            </a:r>
+            <a:r>
+              <a:rPr lang="en-GB" dirty="0"/>
+              <a:t>) {</a:t>
+            </a:r>
+          </a:p>
+          <a:p>
+            <a:pPr>
+              <a:lnSpc>
+                <a:spcPts val="2200"/>
+              </a:lnSpc>
+            </a:pPr>
+            <a:r>
+              <a:rPr lang="en-GB" dirty="0">
+                <a:solidFill>
+                  <a:schemeClr val="accent5"/>
+                </a:solidFill>
+              </a:rPr>
+              <a:t>                        </a:t>
+            </a:r>
+            <a:r>
+              <a:rPr lang="en-GB" dirty="0" err="1">
+                <a:solidFill>
+                  <a:srgbClr val="0070C0"/>
+                </a:solidFill>
+              </a:rPr>
+              <a:t>kill_blocked_processes</a:t>
+            </a:r>
+            <a:r>
+              <a:rPr lang="en-GB" dirty="0"/>
+              <a:t>();</a:t>
+            </a:r>
+          </a:p>
+          <a:p>
+            <a:pPr>
+              <a:lnSpc>
+                <a:spcPts val="2200"/>
+              </a:lnSpc>
+            </a:pPr>
+            <a:r>
+              <a:rPr lang="en-GB" dirty="0"/>
+              <a:t>                }</a:t>
+            </a:r>
+          </a:p>
+          <a:p>
+            <a:pPr>
+              <a:lnSpc>
+                <a:spcPts val="2200"/>
+              </a:lnSpc>
+            </a:pPr>
+            <a:r>
+              <a:rPr lang="en-GB" dirty="0">
+                <a:solidFill>
+                  <a:schemeClr val="bg1">
+                    <a:lumMod val="65000"/>
+                  </a:schemeClr>
+                </a:solidFill>
+              </a:rPr>
+              <a:t>        </a:t>
+            </a:r>
+            <a:r>
+              <a:rPr lang="en-GB" dirty="0"/>
+              <a:t>}</a:t>
+            </a:r>
+          </a:p>
+          <a:p>
+            <a:pPr>
+              <a:lnSpc>
+                <a:spcPts val="2200"/>
+              </a:lnSpc>
+            </a:pPr>
+            <a:r>
+              <a:rPr lang="en-GB" dirty="0"/>
+              <a:t>}</a:t>
+            </a:r>
           </a:p>
         </p:txBody>
       </p:sp>
@@ -4005,38 +4187,62 @@
           <a:bodyPr/>
           <a:lstStyle/>
           <a:p>
-            <a:pPr marL="0" lvl="1" indent="0">
-              <a:buNone/>
-            </a:pPr>
+            <a:pPr lvl="1"/>
             <a:r>
               <a:rPr lang="en-GB" dirty="0"/>
-              <a:t>About </a:t>
-            </a:r>
-            <a:r>
-              <a:rPr lang="en-GB" dirty="0" err="1"/>
-              <a:t>proshdom</a:t>
+              <a:t>Blocked domains are stored in </a:t>
+            </a:r>
+            <a:r>
+              <a:rPr lang="en-GB" b="1" dirty="0"/>
+              <a:t>/etc/hosts</a:t>
             </a:r>
             <a:r>
               <a:rPr lang="en-GB" dirty="0"/>
-              <a:t> (why it exists and how it works)</a:t>
-            </a:r>
-          </a:p>
-          <a:p>
-            <a:pPr marL="0" lvl="1" indent="0">
-              <a:buNone/>
-            </a:pPr>
+              <a:t>.</a:t>
+            </a:r>
+            <a:endParaRPr lang="en-GB" b="1" dirty="0"/>
+          </a:p>
+          <a:p>
+            <a:pPr lvl="1"/>
+            <a:endParaRPr lang="en-GB" dirty="0"/>
+          </a:p>
+          <a:p>
+            <a:pPr lvl="1"/>
             <a:r>
               <a:rPr lang="en-GB" dirty="0"/>
-              <a:t>The </a:t>
-            </a:r>
-            <a:r>
-              <a:rPr lang="en-GB" dirty="0" err="1"/>
+              <a:t>Modifying the hosts file needs root permissions.</a:t>
+            </a:r>
+          </a:p>
+          <a:p>
+            <a:pPr lvl="1"/>
+            <a:endParaRPr lang="en-GB" dirty="0"/>
+          </a:p>
+          <a:p>
+            <a:pPr lvl="1"/>
+            <a:r>
+              <a:rPr lang="en-GB" dirty="0"/>
+              <a:t>We therefore moved this part into a separate executable and run it with </a:t>
+            </a:r>
+            <a:r>
+              <a:rPr lang="en-GB" b="1" dirty="0" err="1"/>
               <a:t>sudo</a:t>
             </a:r>
             <a:r>
               <a:rPr lang="en-GB" dirty="0"/>
-              <a:t> problem</a:t>
-            </a:r>
+              <a:t>.</a:t>
+            </a:r>
+          </a:p>
+          <a:p>
+            <a:pPr lvl="1"/>
+            <a:endParaRPr lang="en-GB" dirty="0"/>
+          </a:p>
+          <a:p>
+            <a:pPr lvl="1"/>
+            <a:endParaRPr lang="en-GB" dirty="0"/>
+          </a:p>
+          <a:p>
+            <a:pPr lvl="1"/>
+            <a:endParaRPr lang="en-GB" dirty="0"/>
           </a:p>
         </p:txBody>
       </p:sp>

--- a/docs/project_final_presentation.pptx
+++ b/docs/project_final_presentation.pptx
@@ -5,7 +5,7 @@
     <p:sldMasterId id="2147483648" r:id="rId1"/>
   </p:sldMasterIdLst>
   <p:notesMasterIdLst>
-    <p:notesMasterId r:id="rId15"/>
+    <p:notesMasterId r:id="rId16"/>
   </p:notesMasterIdLst>
   <p:sldIdLst>
     <p:sldId id="256" r:id="rId2"/>
@@ -18,9 +18,10 @@
     <p:sldId id="293" r:id="rId9"/>
     <p:sldId id="283" r:id="rId10"/>
     <p:sldId id="295" r:id="rId11"/>
-    <p:sldId id="294" r:id="rId12"/>
-    <p:sldId id="296" r:id="rId13"/>
-    <p:sldId id="276" r:id="rId14"/>
+    <p:sldId id="297" r:id="rId12"/>
+    <p:sldId id="294" r:id="rId13"/>
+    <p:sldId id="296" r:id="rId14"/>
+    <p:sldId id="276" r:id="rId15"/>
   </p:sldIdLst>
   <p:sldSz cx="9144000" cy="6858000" type="screen4x3"/>
   <p:notesSz cx="7099300" cy="10234613"/>
@@ -380,7 +381,7 @@
           <a:p>
             <a:fld id="{484FEB8E-57CB-43C0-BEF7-4F4116A5252C}" type="datetimeFigureOut">
               <a:rPr lang="de-CH" smtClean="0"/>
-              <a:t>13.06.23</a:t>
+              <a:t>13.06.2023</a:t>
             </a:fld>
             <a:endParaRPr lang="de-CH"/>
           </a:p>
@@ -539,7 +540,7 @@
           <a:p>
             <a:fld id="{DA53D58F-CC03-47C4-AC79-D3C984A61519}" type="slidenum">
               <a:rPr lang="de-CH" smtClean="0"/>
-              <a:t>‹Nr.›</a:t>
+              <a:t>‹#›</a:t>
             </a:fld>
             <a:endParaRPr lang="de-CH"/>
           </a:p>
@@ -996,7 +997,7 @@
             <a:fld id="{B3811826-9277-4232-A2B5-17D05DFC7392}" type="slidenum">
               <a:rPr lang="en-GB" smtClean="0"/>
               <a:pPr/>
-              <a:t>‹Nr.›</a:t>
+              <a:t>‹#›</a:t>
             </a:fld>
             <a:endParaRPr lang="en-GB" dirty="0"/>
           </a:p>
@@ -1497,7 +1498,7 @@
             <a:fld id="{B3811826-9277-4232-A2B5-17D05DFC7392}" type="slidenum">
               <a:rPr lang="en-GB" smtClean="0"/>
               <a:pPr/>
-              <a:t>‹Nr.›</a:t>
+              <a:t>‹#›</a:t>
             </a:fld>
             <a:endParaRPr lang="en-GB" dirty="0"/>
           </a:p>
@@ -1621,7 +1622,7 @@
             <a:fld id="{B3811826-9277-4232-A2B5-17D05DFC7392}" type="slidenum">
               <a:rPr lang="en-GB" smtClean="0"/>
               <a:pPr/>
-              <a:t>‹Nr.›</a:t>
+              <a:t>‹#›</a:t>
             </a:fld>
             <a:endParaRPr lang="en-GB" dirty="0"/>
           </a:p>
@@ -1846,7 +1847,7 @@
             <a:fld id="{B3811826-9277-4232-A2B5-17D05DFC7392}" type="slidenum">
               <a:rPr lang="en-GB" smtClean="0"/>
               <a:pPr/>
-              <a:t>‹Nr.›</a:t>
+              <a:t>‹#›</a:t>
             </a:fld>
             <a:endParaRPr lang="en-GB" dirty="0"/>
           </a:p>
@@ -2172,7 +2173,7 @@
             <a:fld id="{B3811826-9277-4232-A2B5-17D05DFC7392}" type="slidenum">
               <a:rPr lang="en-GB" smtClean="0"/>
               <a:pPr/>
-              <a:t>‹Nr.›</a:t>
+              <a:t>‹#›</a:t>
             </a:fld>
             <a:endParaRPr lang="en-GB" dirty="0"/>
           </a:p>
@@ -2576,7 +2577,7 @@
             <a:fld id="{B3811826-9277-4232-A2B5-17D05DFC7392}" type="slidenum">
               <a:rPr lang="en-GB" smtClean="0"/>
               <a:pPr/>
-              <a:t>‹Nr.›</a:t>
+              <a:t>‹#›</a:t>
             </a:fld>
             <a:endParaRPr lang="en-GB" dirty="0"/>
           </a:p>
@@ -2859,7 +2860,7 @@
             <a:fld id="{B3811826-9277-4232-A2B5-17D05DFC7392}" type="slidenum">
               <a:rPr lang="en-GB" smtClean="0"/>
               <a:pPr/>
-              <a:t>‹Nr.›</a:t>
+              <a:t>‹#›</a:t>
             </a:fld>
             <a:endParaRPr lang="en-GB" dirty="0"/>
           </a:p>
@@ -3176,7 +3177,7 @@
             <a:fld id="{B3811826-9277-4232-A2B5-17D05DFC7392}" type="slidenum">
               <a:rPr lang="en-GB" smtClean="0"/>
               <a:pPr/>
-              <a:t>‹Nr.›</a:t>
+              <a:t>‹#›</a:t>
             </a:fld>
             <a:endParaRPr lang="en-GB" dirty="0"/>
           </a:p>
@@ -3675,20 +3676,28 @@
           <a:bodyPr/>
           <a:lstStyle/>
           <a:p>
-            <a:pPr marL="0" lvl="1" indent="0">
-              <a:buNone/>
-            </a:pPr>
+            <a:pPr lvl="2"/>
             <a:r>
               <a:rPr lang="en-GB" dirty="0"/>
-              <a:t>About </a:t>
-            </a:r>
+              <a:t>While loop which takes input</a:t>
+            </a:r>
+          </a:p>
+          <a:p>
+            <a:pPr lvl="2"/>
+            <a:r>
+              <a:rPr lang="en-GB" dirty="0"/>
+              <a:t>Input then handled</a:t>
+            </a:r>
+          </a:p>
+          <a:p>
+            <a:pPr lvl="2"/>
             <a:r>
               <a:rPr lang="en-GB" dirty="0" err="1"/>
-              <a:t>main.c</a:t>
+              <a:t>readline</a:t>
             </a:r>
             <a:r>
               <a:rPr lang="en-GB" dirty="0"/>
-              <a:t>…</a:t>
+              <a:t> library used for command history</a:t>
             </a:r>
           </a:p>
         </p:txBody>
@@ -3769,6 +3778,293 @@
               <a:t>10</a:t>
             </a:fld>
             <a:endParaRPr lang="en-GB" dirty="0"/>
+          </a:p>
+        </p:txBody>
+      </p:sp>
+      <p:sp>
+        <p:nvSpPr>
+          <p:cNvPr id="7" name="Textfeld 6">
+            <a:extLst>
+              <a:ext uri="{FF2B5EF4-FFF2-40B4-BE49-F238E27FC236}">
+                <a16:creationId xmlns:a16="http://schemas.microsoft.com/office/drawing/2014/main" id="{7538E2FF-418A-42DC-7836-27D76949BABC}"/>
+              </a:ext>
+            </a:extLst>
+          </p:cNvPr>
+          <p:cNvSpPr txBox="1"/>
+          <p:nvPr/>
+        </p:nvSpPr>
+        <p:spPr>
+          <a:xfrm>
+            <a:off x="611560" y="2420888"/>
+            <a:ext cx="5760640" cy="3600400"/>
+          </a:xfrm>
+          <a:prstGeom prst="rect">
+            <a:avLst/>
+          </a:prstGeom>
+          <a:solidFill>
+            <a:schemeClr val="bg1">
+              <a:lumMod val="95000"/>
+            </a:schemeClr>
+          </a:solidFill>
+          <a:ln w="25400">
+            <a:solidFill>
+              <a:schemeClr val="tx1"/>
+            </a:solidFill>
+          </a:ln>
+        </p:spPr>
+        <p:txBody>
+          <a:bodyPr wrap="square" lIns="180000" tIns="180000" rIns="180000" bIns="180000" rtlCol="0">
+            <a:noAutofit/>
+          </a:bodyPr>
+          <a:lstStyle/>
+          <a:p>
+            <a:pPr>
+              <a:lnSpc>
+                <a:spcPts val="2200"/>
+              </a:lnSpc>
+            </a:pPr>
+            <a:r>
+              <a:rPr lang="en-GB" dirty="0" err="1">
+                <a:solidFill>
+                  <a:srgbClr val="0070C0"/>
+                </a:solidFill>
+              </a:rPr>
+              <a:t>init_blacklist</a:t>
+            </a:r>
+            <a:r>
+              <a:rPr lang="en-GB" dirty="0"/>
+              <a:t>();</a:t>
+            </a:r>
+            <a:endParaRPr lang="en-GB" b="1" dirty="0">
+              <a:solidFill>
+                <a:schemeClr val="accent5"/>
+              </a:solidFill>
+            </a:endParaRPr>
+          </a:p>
+          <a:p>
+            <a:pPr>
+              <a:lnSpc>
+                <a:spcPts val="2200"/>
+              </a:lnSpc>
+            </a:pPr>
+            <a:r>
+              <a:rPr lang="en-GB" dirty="0">
+                <a:solidFill>
+                  <a:schemeClr val="accent5"/>
+                </a:solidFill>
+              </a:rPr>
+              <a:t>while</a:t>
+            </a:r>
+            <a:r>
+              <a:rPr lang="en-GB" dirty="0"/>
+              <a:t> (true) {</a:t>
+            </a:r>
+          </a:p>
+          <a:p>
+            <a:pPr>
+              <a:lnSpc>
+                <a:spcPts val="2200"/>
+              </a:lnSpc>
+            </a:pPr>
+            <a:r>
+              <a:rPr lang="en-GB" dirty="0"/>
+              <a:t>	prompt = </a:t>
+            </a:r>
+            <a:r>
+              <a:rPr lang="en-GB" dirty="0" err="1">
+                <a:solidFill>
+                  <a:srgbClr val="0070C0"/>
+                </a:solidFill>
+              </a:rPr>
+              <a:t>getcwd</a:t>
+            </a:r>
+            <a:r>
+              <a:rPr lang="en-GB" dirty="0"/>
+              <a:t>();</a:t>
+            </a:r>
+          </a:p>
+          <a:p>
+            <a:pPr>
+              <a:lnSpc>
+                <a:spcPts val="2200"/>
+              </a:lnSpc>
+            </a:pPr>
+            <a:r>
+              <a:rPr lang="en-GB" dirty="0"/>
+              <a:t>	input = </a:t>
+            </a:r>
+            <a:r>
+              <a:rPr lang="en-GB" dirty="0" err="1">
+                <a:solidFill>
+                  <a:srgbClr val="0070C0"/>
+                </a:solidFill>
+              </a:rPr>
+              <a:t>readline</a:t>
+            </a:r>
+            <a:r>
+              <a:rPr lang="en-GB" dirty="0"/>
+              <a:t>(prompt);</a:t>
+            </a:r>
+          </a:p>
+          <a:p>
+            <a:pPr>
+              <a:lnSpc>
+                <a:spcPts val="2200"/>
+              </a:lnSpc>
+            </a:pPr>
+            <a:r>
+              <a:rPr lang="en-GB" dirty="0"/>
+              <a:t>	</a:t>
+            </a:r>
+            <a:r>
+              <a:rPr lang="en-GB" dirty="0">
+                <a:solidFill>
+                  <a:schemeClr val="accent5"/>
+                </a:solidFill>
+              </a:rPr>
+              <a:t>switch</a:t>
+            </a:r>
+            <a:r>
+              <a:rPr lang="en-GB" dirty="0"/>
+              <a:t> (</a:t>
+            </a:r>
+            <a:r>
+              <a:rPr lang="en-GB" dirty="0" err="1">
+                <a:solidFill>
+                  <a:srgbClr val="0070C0"/>
+                </a:solidFill>
+              </a:rPr>
+              <a:t>get_command_ID</a:t>
+            </a:r>
+            <a:r>
+              <a:rPr lang="en-GB" dirty="0"/>
+              <a:t>(input)) {</a:t>
+            </a:r>
+          </a:p>
+          <a:p>
+            <a:pPr>
+              <a:lnSpc>
+                <a:spcPts val="2200"/>
+              </a:lnSpc>
+            </a:pPr>
+            <a:r>
+              <a:rPr lang="en-GB" dirty="0"/>
+              <a:t>		</a:t>
+            </a:r>
+            <a:r>
+              <a:rPr lang="en-GB" dirty="0">
+                <a:solidFill>
+                  <a:schemeClr val="accent5"/>
+                </a:solidFill>
+              </a:rPr>
+              <a:t>case</a:t>
+            </a:r>
+            <a:r>
+              <a:rPr lang="en-GB" dirty="0"/>
+              <a:t> </a:t>
+            </a:r>
+            <a:r>
+              <a:rPr lang="en-GB" dirty="0">
+                <a:solidFill>
+                  <a:srgbClr val="0070C0"/>
+                </a:solidFill>
+              </a:rPr>
+              <a:t>CD</a:t>
+            </a:r>
+            <a:r>
+              <a:rPr lang="en-GB" dirty="0"/>
+              <a:t>:</a:t>
+            </a:r>
+          </a:p>
+          <a:p>
+            <a:pPr>
+              <a:lnSpc>
+                <a:spcPts val="2200"/>
+              </a:lnSpc>
+            </a:pPr>
+            <a:r>
+              <a:rPr lang="en-GB" dirty="0"/>
+              <a:t>			…</a:t>
+            </a:r>
+          </a:p>
+          <a:p>
+            <a:pPr>
+              <a:lnSpc>
+                <a:spcPts val="2200"/>
+              </a:lnSpc>
+            </a:pPr>
+            <a:r>
+              <a:rPr lang="en-GB" dirty="0"/>
+              <a:t>		</a:t>
+            </a:r>
+            <a:r>
+              <a:rPr lang="en-GB" dirty="0">
+                <a:solidFill>
+                  <a:schemeClr val="accent5"/>
+                </a:solidFill>
+              </a:rPr>
+              <a:t>case</a:t>
+            </a:r>
+            <a:r>
+              <a:rPr lang="en-GB" dirty="0"/>
+              <a:t> </a:t>
+            </a:r>
+            <a:r>
+              <a:rPr lang="en-GB" dirty="0">
+                <a:solidFill>
+                  <a:srgbClr val="0070C0"/>
+                </a:solidFill>
+              </a:rPr>
+              <a:t>LS</a:t>
+            </a:r>
+            <a:r>
+              <a:rPr lang="en-GB" dirty="0"/>
+              <a:t>:</a:t>
+            </a:r>
+          </a:p>
+          <a:p>
+            <a:pPr>
+              <a:lnSpc>
+                <a:spcPts val="2200"/>
+              </a:lnSpc>
+            </a:pPr>
+            <a:r>
+              <a:rPr lang="en-GB" dirty="0"/>
+              <a:t>			…</a:t>
+            </a:r>
+          </a:p>
+          <a:p>
+            <a:pPr>
+              <a:lnSpc>
+                <a:spcPts val="2200"/>
+              </a:lnSpc>
+            </a:pPr>
+            <a:r>
+              <a:rPr lang="en-GB" dirty="0"/>
+              <a:t>		…</a:t>
+            </a:r>
+          </a:p>
+          <a:p>
+            <a:pPr>
+              <a:lnSpc>
+                <a:spcPts val="2200"/>
+              </a:lnSpc>
+            </a:pPr>
+            <a:r>
+              <a:rPr lang="en-GB" dirty="0"/>
+              <a:t>	}</a:t>
+            </a:r>
+          </a:p>
+          <a:p>
+            <a:pPr>
+              <a:lnSpc>
+                <a:spcPts val="2200"/>
+              </a:lnSpc>
+            </a:pPr>
+            <a:r>
+              <a:rPr lang="en-GB" dirty="0"/>
+              <a:t>}</a:t>
+            </a:r>
           </a:p>
         </p:txBody>
       </p:sp>
@@ -3819,7 +4115,7 @@
           <a:p>
             <a:r>
               <a:rPr lang="en-US" dirty="0"/>
-              <a:t>Productivity Mode Implementation</a:t>
+              <a:t>Shell Implementation</a:t>
             </a:r>
             <a:endParaRPr lang="en-GB" dirty="0"/>
           </a:p>
@@ -3835,26 +4131,22 @@
             <p:ph idx="1"/>
           </p:nvPr>
         </p:nvSpPr>
-        <p:spPr/>
+        <p:spPr>
+          <a:xfrm>
+            <a:off x="539552" y="3824105"/>
+            <a:ext cx="3635944" cy="612030"/>
+          </a:xfrm>
+        </p:spPr>
         <p:txBody>
           <a:bodyPr/>
           <a:lstStyle/>
           <a:p>
-            <a:pPr lvl="1"/>
+            <a:pPr marL="180000" lvl="2" indent="0">
+              <a:buNone/>
+            </a:pPr>
             <a:r>
               <a:rPr lang="en-GB" dirty="0"/>
-              <a:t>The productivity mode is a separate thread.</a:t>
-            </a:r>
-          </a:p>
-          <a:p>
-            <a:pPr lvl="1"/>
-            <a:endParaRPr lang="en-GB" dirty="0"/>
-          </a:p>
-          <a:p>
-            <a:pPr lvl="1"/>
-            <a:r>
-              <a:rPr lang="en-GB" dirty="0"/>
-              <a:t>If a new window is created, the blocked processes are killed.</a:t>
+              <a:t>File execution:</a:t>
             </a:r>
           </a:p>
         </p:txBody>
@@ -3943,7 +4235,7 @@
           <p:cNvPr id="7" name="Textfeld 6">
             <a:extLst>
               <a:ext uri="{FF2B5EF4-FFF2-40B4-BE49-F238E27FC236}">
-                <a16:creationId xmlns:a16="http://schemas.microsoft.com/office/drawing/2014/main" id="{3749996D-2867-4B7B-9C6F-DA5A696FF03B}"/>
+                <a16:creationId xmlns:a16="http://schemas.microsoft.com/office/drawing/2014/main" id="{7538E2FF-418A-42DC-7836-27D76949BABC}"/>
               </a:ext>
             </a:extLst>
           </p:cNvPr>
@@ -3952,8 +4244,8 @@
         </p:nvSpPr>
         <p:spPr>
           <a:xfrm>
-            <a:off x="431800" y="2672576"/>
-            <a:ext cx="5760640" cy="2340222"/>
+            <a:off x="683568" y="4183942"/>
+            <a:ext cx="3744416" cy="1764536"/>
           </a:xfrm>
           <a:prstGeom prst="rect">
             <a:avLst/>
@@ -3986,11 +4278,23 @@
                   <a:schemeClr val="accent5"/>
                 </a:solidFill>
               </a:rPr>
-              <a:t>while</a:t>
+              <a:t>if</a:t>
             </a:r>
             <a:r>
               <a:rPr lang="en-GB" dirty="0"/>
-              <a:t> (running) {</a:t>
+              <a:t> (</a:t>
+            </a:r>
+            <a:r>
+              <a:rPr lang="en-GB" dirty="0">
+                <a:solidFill>
+                  <a:srgbClr val="0070C0"/>
+                </a:solidFill>
+              </a:rPr>
+              <a:t>fork</a:t>
+            </a:r>
+            <a:r>
+              <a:rPr lang="en-GB" dirty="0"/>
+              <a:t>() == 0) {</a:t>
             </a:r>
           </a:p>
           <a:p>
@@ -4000,24 +4304,43 @@
               </a:lnSpc>
             </a:pPr>
             <a:r>
+              <a:rPr lang="en-GB" dirty="0"/>
+              <a:t>	</a:t>
+            </a:r>
+            <a:r>
+              <a:rPr lang="en-GB" dirty="0" err="1">
+                <a:solidFill>
+                  <a:srgbClr val="0070C0"/>
+                </a:solidFill>
+              </a:rPr>
+              <a:t>execvp</a:t>
+            </a:r>
+            <a:r>
+              <a:rPr lang="en-GB" dirty="0"/>
+              <a:t>(file, arguments);</a:t>
+            </a:r>
+          </a:p>
+          <a:p>
+            <a:pPr>
+              <a:lnSpc>
+                <a:spcPts val="2200"/>
+              </a:lnSpc>
+            </a:pPr>
+            <a:r>
+              <a:rPr lang="en-GB" dirty="0"/>
+              <a:t>} </a:t>
+            </a:r>
+            <a:r>
               <a:rPr lang="en-GB" dirty="0">
                 <a:solidFill>
                   <a:schemeClr val="accent5"/>
                 </a:solidFill>
               </a:rPr>
-              <a:t>        if</a:t>
+              <a:t>else</a:t>
             </a:r>
             <a:r>
               <a:rPr lang="en-GB" dirty="0"/>
-              <a:t> (</a:t>
-            </a:r>
-            <a:r>
-              <a:rPr lang="en-GB" dirty="0" err="1"/>
-              <a:t>new_UI_event</a:t>
-            </a:r>
-            <a:r>
-              <a:rPr lang="en-GB" dirty="0"/>
-              <a:t>) {</a:t>
+              <a:t> {</a:t>
             </a:r>
           </a:p>
           <a:p>
@@ -4027,24 +4350,259 @@
               </a:lnSpc>
             </a:pPr>
             <a:r>
+              <a:rPr lang="en-GB" dirty="0"/>
+              <a:t>	</a:t>
+            </a:r>
+            <a:r>
+              <a:rPr lang="en-GB" dirty="0">
+                <a:solidFill>
+                  <a:srgbClr val="0070C0"/>
+                </a:solidFill>
+              </a:rPr>
+              <a:t>wait</a:t>
+            </a:r>
+            <a:r>
+              <a:rPr lang="en-GB" dirty="0"/>
+              <a:t>(NULL);</a:t>
+            </a:r>
+          </a:p>
+          <a:p>
+            <a:pPr>
+              <a:lnSpc>
+                <a:spcPts val="2200"/>
+              </a:lnSpc>
+            </a:pPr>
+            <a:r>
+              <a:rPr lang="en-GB" dirty="0"/>
+              <a:t>}</a:t>
+            </a:r>
+          </a:p>
+        </p:txBody>
+      </p:sp>
+      <p:sp>
+        <p:nvSpPr>
+          <p:cNvPr id="8" name="Textfeld 6">
+            <a:extLst>
+              <a:ext uri="{FF2B5EF4-FFF2-40B4-BE49-F238E27FC236}">
+                <a16:creationId xmlns:a16="http://schemas.microsoft.com/office/drawing/2014/main" id="{C003793B-9202-32A7-5951-96330C48244D}"/>
+              </a:ext>
+            </a:extLst>
+          </p:cNvPr>
+          <p:cNvSpPr txBox="1"/>
+          <p:nvPr/>
+        </p:nvSpPr>
+        <p:spPr>
+          <a:xfrm>
+            <a:off x="4895906" y="1916832"/>
+            <a:ext cx="3744416" cy="1764536"/>
+          </a:xfrm>
+          <a:prstGeom prst="rect">
+            <a:avLst/>
+          </a:prstGeom>
+          <a:solidFill>
+            <a:schemeClr val="bg1">
+              <a:lumMod val="95000"/>
+            </a:schemeClr>
+          </a:solidFill>
+          <a:ln w="25400">
+            <a:solidFill>
+              <a:schemeClr val="tx1"/>
+            </a:solidFill>
+          </a:ln>
+        </p:spPr>
+        <p:txBody>
+          <a:bodyPr wrap="square" lIns="180000" tIns="180000" rIns="180000" bIns="180000" rtlCol="0">
+            <a:noAutofit/>
+          </a:bodyPr>
+          <a:lstStyle/>
+          <a:p>
+            <a:pPr>
+              <a:lnSpc>
+                <a:spcPts val="2200"/>
+              </a:lnSpc>
+            </a:pPr>
+            <a:r>
+              <a:rPr lang="en-GB" dirty="0" err="1">
+                <a:solidFill>
+                  <a:srgbClr val="0070C0"/>
+                </a:solidFill>
+              </a:rPr>
+              <a:t>scandir</a:t>
+            </a:r>
+            <a:r>
+              <a:rPr lang="en-GB" dirty="0"/>
+              <a:t>(argument, &amp;</a:t>
+            </a:r>
+            <a:r>
+              <a:rPr lang="en-GB" dirty="0" err="1"/>
+              <a:t>list_of_files</a:t>
+            </a:r>
+            <a:r>
+              <a:rPr lang="en-GB" dirty="0"/>
+              <a:t>);</a:t>
+            </a:r>
+          </a:p>
+          <a:p>
+            <a:pPr>
+              <a:lnSpc>
+                <a:spcPts val="2200"/>
+              </a:lnSpc>
+            </a:pPr>
+            <a:endParaRPr lang="en-GB" dirty="0"/>
+          </a:p>
+          <a:p>
+            <a:pPr>
+              <a:lnSpc>
+                <a:spcPts val="2200"/>
+              </a:lnSpc>
+            </a:pPr>
+            <a:r>
+              <a:rPr lang="en-GB" dirty="0" err="1">
+                <a:solidFill>
+                  <a:srgbClr val="0070C0"/>
+                </a:solidFill>
+              </a:rPr>
+              <a:t>print_file_names</a:t>
+            </a:r>
+            <a:r>
+              <a:rPr lang="en-GB" dirty="0"/>
+              <a:t>(</a:t>
+            </a:r>
+            <a:r>
+              <a:rPr lang="en-GB" dirty="0" err="1"/>
+              <a:t>list_of_files</a:t>
+            </a:r>
+            <a:r>
+              <a:rPr lang="en-GB" dirty="0"/>
+              <a:t>);</a:t>
+            </a:r>
+          </a:p>
+        </p:txBody>
+      </p:sp>
+      <p:sp>
+        <p:nvSpPr>
+          <p:cNvPr id="9" name="TextBox 8">
+            <a:extLst>
+              <a:ext uri="{FF2B5EF4-FFF2-40B4-BE49-F238E27FC236}">
+                <a16:creationId xmlns:a16="http://schemas.microsoft.com/office/drawing/2014/main" id="{7EAF1FAC-D82F-3DD1-300B-74B256586926}"/>
+              </a:ext>
+            </a:extLst>
+          </p:cNvPr>
+          <p:cNvSpPr txBox="1"/>
+          <p:nvPr/>
+        </p:nvSpPr>
+        <p:spPr>
+          <a:xfrm>
+            <a:off x="4895906" y="1507842"/>
+            <a:ext cx="2664296" cy="648072"/>
+          </a:xfrm>
+          <a:prstGeom prst="rect">
+            <a:avLst/>
+          </a:prstGeom>
+          <a:noFill/>
+        </p:spPr>
+        <p:txBody>
+          <a:bodyPr wrap="square" lIns="0" tIns="0" rIns="0" bIns="0" rtlCol="0">
+            <a:noAutofit/>
+          </a:bodyPr>
+          <a:lstStyle/>
+          <a:p>
+            <a:pPr>
+              <a:lnSpc>
+                <a:spcPts val="2200"/>
+              </a:lnSpc>
+            </a:pPr>
+            <a:r>
+              <a:rPr lang="en-US" dirty="0"/>
+              <a:t>List directory:</a:t>
+            </a:r>
+          </a:p>
+        </p:txBody>
+      </p:sp>
+      <p:sp>
+        <p:nvSpPr>
+          <p:cNvPr id="10" name="Textfeld 6">
+            <a:extLst>
+              <a:ext uri="{FF2B5EF4-FFF2-40B4-BE49-F238E27FC236}">
+                <a16:creationId xmlns:a16="http://schemas.microsoft.com/office/drawing/2014/main" id="{726122F5-8149-19B1-FFC1-2C3C50DC259A}"/>
+              </a:ext>
+            </a:extLst>
+          </p:cNvPr>
+          <p:cNvSpPr txBox="1"/>
+          <p:nvPr/>
+        </p:nvSpPr>
+        <p:spPr>
+          <a:xfrm>
+            <a:off x="683568" y="1916174"/>
+            <a:ext cx="3744416" cy="1764536"/>
+          </a:xfrm>
+          <a:prstGeom prst="rect">
+            <a:avLst/>
+          </a:prstGeom>
+          <a:solidFill>
+            <a:schemeClr val="bg1">
+              <a:lumMod val="95000"/>
+            </a:schemeClr>
+          </a:solidFill>
+          <a:ln w="25400">
+            <a:solidFill>
+              <a:schemeClr val="tx1"/>
+            </a:solidFill>
+          </a:ln>
+        </p:spPr>
+        <p:txBody>
+          <a:bodyPr wrap="square" lIns="180000" tIns="180000" rIns="180000" bIns="180000" rtlCol="0">
+            <a:noAutofit/>
+          </a:bodyPr>
+          <a:lstStyle/>
+          <a:p>
+            <a:pPr>
+              <a:lnSpc>
+                <a:spcPts val="2200"/>
+              </a:lnSpc>
+            </a:pPr>
+            <a:r>
+              <a:rPr lang="en-GB" dirty="0"/>
+              <a:t>result = </a:t>
+            </a:r>
+            <a:r>
+              <a:rPr lang="en-GB" dirty="0" err="1">
+                <a:solidFill>
+                  <a:srgbClr val="0070C0"/>
+                </a:solidFill>
+              </a:rPr>
+              <a:t>chdir</a:t>
+            </a:r>
+            <a:r>
+              <a:rPr lang="en-GB" dirty="0"/>
+              <a:t>(argument);</a:t>
+            </a:r>
+          </a:p>
+          <a:p>
+            <a:pPr>
+              <a:lnSpc>
+                <a:spcPts val="2200"/>
+              </a:lnSpc>
+            </a:pPr>
+            <a:endParaRPr lang="en-GB" dirty="0"/>
+          </a:p>
+          <a:p>
+            <a:pPr>
+              <a:lnSpc>
+                <a:spcPts val="2200"/>
+              </a:lnSpc>
+            </a:pPr>
+            <a:r>
               <a:rPr lang="en-GB" dirty="0">
                 <a:solidFill>
                   <a:schemeClr val="accent5"/>
                 </a:solidFill>
               </a:rPr>
-              <a:t>                if</a:t>
+              <a:t>if</a:t>
             </a:r>
             <a:r>
               <a:rPr lang="en-GB" dirty="0"/>
-              <a:t> (</a:t>
-            </a:r>
-            <a:r>
-              <a:rPr lang="en-GB" dirty="0" err="1"/>
-              <a:t>is_window_event</a:t>
-            </a:r>
-            <a:r>
-              <a:rPr lang="en-GB" dirty="0"/>
-              <a:t>) {</a:t>
+              <a:t> (result &lt; 0)</a:t>
             </a:r>
           </a:p>
           <a:p>
@@ -4054,26 +4612,51 @@
               </a:lnSpc>
             </a:pPr>
             <a:r>
+              <a:rPr lang="en-GB" dirty="0"/>
+              <a:t>	</a:t>
+            </a:r>
+            <a:r>
               <a:rPr lang="en-GB" dirty="0">
-                <a:solidFill>
-                  <a:schemeClr val="accent5"/>
-                </a:solidFill>
-              </a:rPr>
-              <a:t>                        </a:t>
-            </a:r>
-            <a:r>
-              <a:rPr lang="en-GB" dirty="0" err="1">
                 <a:solidFill>
                   <a:srgbClr val="0070C0"/>
                 </a:solidFill>
               </a:rPr>
-              <a:t>kill_blocked_processes</a:t>
+              <a:t>print</a:t>
             </a:r>
             <a:r>
               <a:rPr lang="en-GB" dirty="0"/>
-              <a:t>();</a:t>
-            </a:r>
-          </a:p>
+              <a:t>(“error!”)</a:t>
+            </a:r>
+          </a:p>
+        </p:txBody>
+      </p:sp>
+      <p:sp>
+        <p:nvSpPr>
+          <p:cNvPr id="11" name="TextBox 10">
+            <a:extLst>
+              <a:ext uri="{FF2B5EF4-FFF2-40B4-BE49-F238E27FC236}">
+                <a16:creationId xmlns:a16="http://schemas.microsoft.com/office/drawing/2014/main" id="{701E39E0-7FFE-87AD-2541-3078192632AF}"/>
+              </a:ext>
+            </a:extLst>
+          </p:cNvPr>
+          <p:cNvSpPr txBox="1"/>
+          <p:nvPr/>
+        </p:nvSpPr>
+        <p:spPr>
+          <a:xfrm>
+            <a:off x="683568" y="1507184"/>
+            <a:ext cx="2664296" cy="648072"/>
+          </a:xfrm>
+          <a:prstGeom prst="rect">
+            <a:avLst/>
+          </a:prstGeom>
+          <a:noFill/>
+        </p:spPr>
+        <p:txBody>
+          <a:bodyPr wrap="square" lIns="0" tIns="0" rIns="0" bIns="0" rtlCol="0">
+            <a:noAutofit/>
+          </a:bodyPr>
+          <a:lstStyle/>
           <a:p>
             <a:pPr>
               <a:lnSpc>
@@ -4081,10 +4664,39 @@
               </a:lnSpc>
             </a:pPr>
             <a:r>
-              <a:rPr lang="en-GB" dirty="0"/>
-              <a:t>                }</a:t>
-            </a:r>
-          </a:p>
+              <a:rPr lang="en-US" dirty="0"/>
+              <a:t>Change directory:</a:t>
+            </a:r>
+          </a:p>
+        </p:txBody>
+      </p:sp>
+      <p:sp>
+        <p:nvSpPr>
+          <p:cNvPr id="13" name="TextBox 12">
+            <a:extLst>
+              <a:ext uri="{FF2B5EF4-FFF2-40B4-BE49-F238E27FC236}">
+                <a16:creationId xmlns:a16="http://schemas.microsoft.com/office/drawing/2014/main" id="{D812BB4B-969D-882D-800E-6C3C63849BF2}"/>
+              </a:ext>
+            </a:extLst>
+          </p:cNvPr>
+          <p:cNvSpPr txBox="1"/>
+          <p:nvPr/>
+        </p:nvSpPr>
+        <p:spPr>
+          <a:xfrm>
+            <a:off x="4895906" y="3879057"/>
+            <a:ext cx="3564526" cy="1872208"/>
+          </a:xfrm>
+          <a:prstGeom prst="rect">
+            <a:avLst/>
+          </a:prstGeom>
+          <a:noFill/>
+        </p:spPr>
+        <p:txBody>
+          <a:bodyPr wrap="square" lIns="0" tIns="0" rIns="0" bIns="0" rtlCol="0">
+            <a:noAutofit/>
+          </a:bodyPr>
+          <a:lstStyle/>
           <a:p>
             <a:pPr>
               <a:lnSpc>
@@ -4092,18 +4704,8 @@
               </a:lnSpc>
             </a:pPr>
             <a:r>
-              <a:rPr lang="en-GB" dirty="0">
-                <a:solidFill>
-                  <a:schemeClr val="bg1">
-                    <a:lumMod val="65000"/>
-                  </a:schemeClr>
-                </a:solidFill>
-              </a:rPr>
-              <a:t>        </a:t>
-            </a:r>
-            <a:r>
-              <a:rPr lang="en-GB" dirty="0"/>
-              <a:t>}</a:t>
+              <a:rPr lang="en-US" dirty="0"/>
+              <a:t>Gimmicks:</a:t>
             </a:r>
           </a:p>
           <a:p>
@@ -4112,9 +4714,66 @@
                 <a:spcPts val="2200"/>
               </a:lnSpc>
             </a:pPr>
-            <a:r>
-              <a:rPr lang="en-GB" dirty="0"/>
-              <a:t>}</a:t>
+            <a:endParaRPr lang="en-US" dirty="0"/>
+          </a:p>
+          <a:p>
+            <a:pPr marL="342900" indent="-342900">
+              <a:lnSpc>
+                <a:spcPts val="2200"/>
+              </a:lnSpc>
+              <a:buFont typeface="Arial" panose="020B0604020202020204" pitchFamily="34" charset="0"/>
+              <a:buChar char="–"/>
+            </a:pPr>
+            <a:r>
+              <a:rPr lang="en-US" dirty="0"/>
+              <a:t>Colored text </a:t>
+            </a:r>
+          </a:p>
+          <a:p>
+            <a:pPr marL="800100" lvl="1" indent="-342900">
+              <a:lnSpc>
+                <a:spcPts val="2200"/>
+              </a:lnSpc>
+              <a:buFont typeface="Arial" panose="020B0604020202020204" pitchFamily="34" charset="0"/>
+              <a:buChar char="–"/>
+            </a:pPr>
+            <a:r>
+              <a:rPr lang="en-US" dirty="0"/>
+              <a:t>use special C strings</a:t>
+            </a:r>
+          </a:p>
+          <a:p>
+            <a:pPr marL="342900" indent="-342900">
+              <a:lnSpc>
+                <a:spcPts val="2200"/>
+              </a:lnSpc>
+              <a:buFont typeface="Arial" panose="020B0604020202020204" pitchFamily="34" charset="0"/>
+              <a:buChar char="–"/>
+            </a:pPr>
+            <a:r>
+              <a:rPr lang="en-US" dirty="0"/>
+              <a:t>“</a:t>
+            </a:r>
+            <a:r>
+              <a:rPr lang="en-US" dirty="0" err="1"/>
+              <a:t>Hackified</a:t>
+            </a:r>
+            <a:r>
+              <a:rPr lang="en-US" dirty="0"/>
+              <a:t>” welcome message</a:t>
+            </a:r>
+          </a:p>
+          <a:p>
+            <a:pPr marL="800100" lvl="1" indent="-342900">
+              <a:lnSpc>
+                <a:spcPts val="2200"/>
+              </a:lnSpc>
+              <a:buFont typeface="Arial" panose="020B0604020202020204" pitchFamily="34" charset="0"/>
+              <a:buChar char="–"/>
+            </a:pPr>
+            <a:r>
+              <a:rPr lang="en-US" dirty="0"/>
+              <a:t>guess letters until correct</a:t>
             </a:r>
           </a:p>
         </p:txBody>
@@ -4122,7 +4781,7 @@
     </p:spTree>
     <p:extLst>
       <p:ext uri="{BB962C8B-B14F-4D97-AF65-F5344CB8AC3E}">
-        <p14:creationId xmlns:p14="http://schemas.microsoft.com/office/powerpoint/2010/main" val="469897510"/>
+        <p14:creationId xmlns:p14="http://schemas.microsoft.com/office/powerpoint/2010/main" val="3704620433"/>
       </p:ext>
     </p:extLst>
   </p:cSld>
@@ -4190,59 +4849,19 @@
             <a:pPr lvl="1"/>
             <a:r>
               <a:rPr lang="en-GB" dirty="0"/>
-              <a:t>Blocked domains are stored in </a:t>
-            </a:r>
-            <a:r>
-              <a:rPr lang="en-GB" b="1" dirty="0"/>
-              <a:t>/etc/hosts</a:t>
-            </a:r>
+              <a:t>The productivity mode is a separate thread.</a:t>
+            </a:r>
+          </a:p>
+          <a:p>
+            <a:pPr lvl="1"/>
+            <a:endParaRPr lang="en-GB" dirty="0"/>
+          </a:p>
+          <a:p>
+            <a:pPr lvl="1"/>
             <a:r>
               <a:rPr lang="en-GB" dirty="0"/>
-              <a:t>.</a:t>
-            </a:r>
-            <a:endParaRPr lang="en-GB" b="1" dirty="0"/>
-          </a:p>
-          <a:p>
-            <a:pPr lvl="1"/>
-            <a:endParaRPr lang="en-GB" dirty="0"/>
-          </a:p>
-          <a:p>
-            <a:pPr lvl="1"/>
-            <a:r>
-              <a:rPr lang="en-GB" dirty="0"/>
-              <a:t>Modifying the hosts file needs root permissions.</a:t>
-            </a:r>
-          </a:p>
-          <a:p>
-            <a:pPr lvl="1"/>
-            <a:endParaRPr lang="en-GB" dirty="0"/>
-          </a:p>
-          <a:p>
-            <a:pPr lvl="1"/>
-            <a:r>
-              <a:rPr lang="en-GB" dirty="0"/>
-              <a:t>We therefore moved this part into a separate executable and run it with </a:t>
-            </a:r>
-            <a:r>
-              <a:rPr lang="en-GB" b="1" dirty="0" err="1"/>
-              <a:t>sudo</a:t>
-            </a:r>
-            <a:r>
-              <a:rPr lang="en-GB" dirty="0"/>
-              <a:t>.</a:t>
-            </a:r>
-          </a:p>
-          <a:p>
-            <a:pPr lvl="1"/>
-            <a:endParaRPr lang="en-GB" dirty="0"/>
-          </a:p>
-          <a:p>
-            <a:pPr lvl="1"/>
-            <a:endParaRPr lang="en-GB" dirty="0"/>
-          </a:p>
-          <a:p>
-            <a:pPr lvl="1"/>
-            <a:endParaRPr lang="en-GB" dirty="0"/>
+              <a:t>If a new window is created, the blocked processes are killed.</a:t>
+            </a:r>
           </a:p>
         </p:txBody>
       </p:sp>
@@ -4320,6 +4939,393 @@
               <a:rPr lang="en-GB" smtClean="0"/>
               <a:pPr/>
               <a:t>12</a:t>
+            </a:fld>
+            <a:endParaRPr lang="en-GB" dirty="0"/>
+          </a:p>
+        </p:txBody>
+      </p:sp>
+      <p:sp>
+        <p:nvSpPr>
+          <p:cNvPr id="7" name="Textfeld 6">
+            <a:extLst>
+              <a:ext uri="{FF2B5EF4-FFF2-40B4-BE49-F238E27FC236}">
+                <a16:creationId xmlns:a16="http://schemas.microsoft.com/office/drawing/2014/main" id="{3749996D-2867-4B7B-9C6F-DA5A696FF03B}"/>
+              </a:ext>
+            </a:extLst>
+          </p:cNvPr>
+          <p:cNvSpPr txBox="1"/>
+          <p:nvPr/>
+        </p:nvSpPr>
+        <p:spPr>
+          <a:xfrm>
+            <a:off x="431800" y="2672576"/>
+            <a:ext cx="5760640" cy="2340222"/>
+          </a:xfrm>
+          <a:prstGeom prst="rect">
+            <a:avLst/>
+          </a:prstGeom>
+          <a:solidFill>
+            <a:schemeClr val="bg1">
+              <a:lumMod val="95000"/>
+            </a:schemeClr>
+          </a:solidFill>
+          <a:ln w="25400">
+            <a:solidFill>
+              <a:schemeClr val="tx1"/>
+            </a:solidFill>
+          </a:ln>
+        </p:spPr>
+        <p:txBody>
+          <a:bodyPr wrap="square" lIns="180000" tIns="180000" rIns="180000" bIns="180000" rtlCol="0">
+            <a:noAutofit/>
+          </a:bodyPr>
+          <a:lstStyle/>
+          <a:p>
+            <a:pPr>
+              <a:lnSpc>
+                <a:spcPts val="2200"/>
+              </a:lnSpc>
+            </a:pPr>
+            <a:r>
+              <a:rPr lang="en-GB" dirty="0">
+                <a:solidFill>
+                  <a:schemeClr val="accent5"/>
+                </a:solidFill>
+              </a:rPr>
+              <a:t>while</a:t>
+            </a:r>
+            <a:r>
+              <a:rPr lang="en-GB" dirty="0"/>
+              <a:t> (running) {</a:t>
+            </a:r>
+          </a:p>
+          <a:p>
+            <a:pPr>
+              <a:lnSpc>
+                <a:spcPts val="2200"/>
+              </a:lnSpc>
+            </a:pPr>
+            <a:r>
+              <a:rPr lang="en-GB" dirty="0">
+                <a:solidFill>
+                  <a:schemeClr val="accent5"/>
+                </a:solidFill>
+              </a:rPr>
+              <a:t>        if</a:t>
+            </a:r>
+            <a:r>
+              <a:rPr lang="en-GB" dirty="0"/>
+              <a:t> (</a:t>
+            </a:r>
+            <a:r>
+              <a:rPr lang="en-GB" dirty="0" err="1"/>
+              <a:t>new_UI_event</a:t>
+            </a:r>
+            <a:r>
+              <a:rPr lang="en-GB" dirty="0"/>
+              <a:t>) {</a:t>
+            </a:r>
+          </a:p>
+          <a:p>
+            <a:pPr>
+              <a:lnSpc>
+                <a:spcPts val="2200"/>
+              </a:lnSpc>
+            </a:pPr>
+            <a:r>
+              <a:rPr lang="en-GB" dirty="0">
+                <a:solidFill>
+                  <a:schemeClr val="accent5"/>
+                </a:solidFill>
+              </a:rPr>
+              <a:t>                if</a:t>
+            </a:r>
+            <a:r>
+              <a:rPr lang="en-GB" dirty="0"/>
+              <a:t> (</a:t>
+            </a:r>
+            <a:r>
+              <a:rPr lang="en-GB" dirty="0" err="1"/>
+              <a:t>is_window_event</a:t>
+            </a:r>
+            <a:r>
+              <a:rPr lang="en-GB" dirty="0"/>
+              <a:t>) {</a:t>
+            </a:r>
+          </a:p>
+          <a:p>
+            <a:pPr>
+              <a:lnSpc>
+                <a:spcPts val="2200"/>
+              </a:lnSpc>
+            </a:pPr>
+            <a:r>
+              <a:rPr lang="en-GB" dirty="0">
+                <a:solidFill>
+                  <a:schemeClr val="accent5"/>
+                </a:solidFill>
+              </a:rPr>
+              <a:t>                        </a:t>
+            </a:r>
+            <a:r>
+              <a:rPr lang="en-GB" dirty="0" err="1">
+                <a:solidFill>
+                  <a:srgbClr val="0070C0"/>
+                </a:solidFill>
+              </a:rPr>
+              <a:t>kill_blocked_processes</a:t>
+            </a:r>
+            <a:r>
+              <a:rPr lang="en-GB" dirty="0"/>
+              <a:t>();</a:t>
+            </a:r>
+          </a:p>
+          <a:p>
+            <a:pPr>
+              <a:lnSpc>
+                <a:spcPts val="2200"/>
+              </a:lnSpc>
+            </a:pPr>
+            <a:r>
+              <a:rPr lang="en-GB" dirty="0"/>
+              <a:t>                }</a:t>
+            </a:r>
+          </a:p>
+          <a:p>
+            <a:pPr>
+              <a:lnSpc>
+                <a:spcPts val="2200"/>
+              </a:lnSpc>
+            </a:pPr>
+            <a:r>
+              <a:rPr lang="en-GB" dirty="0">
+                <a:solidFill>
+                  <a:schemeClr val="bg1">
+                    <a:lumMod val="65000"/>
+                  </a:schemeClr>
+                </a:solidFill>
+              </a:rPr>
+              <a:t>        </a:t>
+            </a:r>
+            <a:r>
+              <a:rPr lang="en-GB" dirty="0"/>
+              <a:t>}</a:t>
+            </a:r>
+          </a:p>
+          <a:p>
+            <a:pPr>
+              <a:lnSpc>
+                <a:spcPts val="2200"/>
+              </a:lnSpc>
+            </a:pPr>
+            <a:r>
+              <a:rPr lang="en-GB" dirty="0"/>
+              <a:t>}</a:t>
+            </a:r>
+          </a:p>
+        </p:txBody>
+      </p:sp>
+    </p:spTree>
+    <p:extLst>
+      <p:ext uri="{BB962C8B-B14F-4D97-AF65-F5344CB8AC3E}">
+        <p14:creationId xmlns:p14="http://schemas.microsoft.com/office/powerpoint/2010/main" val="469897510"/>
+      </p:ext>
+    </p:extLst>
+  </p:cSld>
+  <p:clrMapOvr>
+    <a:masterClrMapping/>
+  </p:clrMapOvr>
+</p:sld>
+</file>
+
+<file path=ppt/slides/slide13.xml><?xml version="1.0" encoding="utf-8"?>
+<p:sld xmlns:a="http://schemas.openxmlformats.org/drawingml/2006/main" xmlns:r="http://schemas.openxmlformats.org/officeDocument/2006/relationships" xmlns:p="http://schemas.openxmlformats.org/presentationml/2006/main">
+  <p:cSld>
+    <p:spTree>
+      <p:nvGrpSpPr>
+        <p:cNvPr id="1" name=""/>
+        <p:cNvGrpSpPr/>
+        <p:nvPr/>
+      </p:nvGrpSpPr>
+      <p:grpSpPr>
+        <a:xfrm>
+          <a:off x="0" y="0"/>
+          <a:ext cx="0" cy="0"/>
+          <a:chOff x="0" y="0"/>
+          <a:chExt cx="0" cy="0"/>
+        </a:xfrm>
+      </p:grpSpPr>
+      <p:sp>
+        <p:nvSpPr>
+          <p:cNvPr id="2" name="Titel 1"/>
+          <p:cNvSpPr>
+            <a:spLocks noGrp="1"/>
+          </p:cNvSpPr>
+          <p:nvPr>
+            <p:ph type="title"/>
+          </p:nvPr>
+        </p:nvSpPr>
+        <p:spPr/>
+        <p:txBody>
+          <a:bodyPr/>
+          <a:lstStyle/>
+          <a:p>
+            <a:r>
+              <a:rPr lang="en-US" dirty="0"/>
+              <a:t>Productivity Mode Implementation</a:t>
+            </a:r>
+            <a:endParaRPr lang="en-GB" dirty="0"/>
+          </a:p>
+        </p:txBody>
+      </p:sp>
+      <p:sp>
+        <p:nvSpPr>
+          <p:cNvPr id="3" name="Inhaltsplatzhalter 2"/>
+          <p:cNvSpPr>
+            <a:spLocks noGrp="1"/>
+          </p:cNvSpPr>
+          <p:nvPr>
+            <p:ph idx="1"/>
+          </p:nvPr>
+        </p:nvSpPr>
+        <p:spPr/>
+        <p:txBody>
+          <a:bodyPr/>
+          <a:lstStyle/>
+          <a:p>
+            <a:pPr lvl="1"/>
+            <a:r>
+              <a:rPr lang="en-GB" dirty="0"/>
+              <a:t>Blocked domains are stored in </a:t>
+            </a:r>
+            <a:r>
+              <a:rPr lang="en-GB" b="1" dirty="0"/>
+              <a:t>/etc/hosts</a:t>
+            </a:r>
+            <a:r>
+              <a:rPr lang="en-GB" dirty="0"/>
+              <a:t>.</a:t>
+            </a:r>
+            <a:endParaRPr lang="en-GB" b="1" dirty="0"/>
+          </a:p>
+          <a:p>
+            <a:pPr lvl="1"/>
+            <a:endParaRPr lang="en-GB" dirty="0"/>
+          </a:p>
+          <a:p>
+            <a:pPr lvl="1"/>
+            <a:r>
+              <a:rPr lang="en-GB" dirty="0"/>
+              <a:t>Modifying the hosts file needs root permissions.</a:t>
+            </a:r>
+          </a:p>
+          <a:p>
+            <a:pPr lvl="1"/>
+            <a:endParaRPr lang="en-GB" dirty="0"/>
+          </a:p>
+          <a:p>
+            <a:pPr lvl="1"/>
+            <a:r>
+              <a:rPr lang="en-GB" dirty="0"/>
+              <a:t>We therefore moved this part into a separate executable and run it with </a:t>
+            </a:r>
+            <a:r>
+              <a:rPr lang="en-GB" b="1" dirty="0" err="1"/>
+              <a:t>sudo</a:t>
+            </a:r>
+            <a:r>
+              <a:rPr lang="en-GB" dirty="0"/>
+              <a:t>.</a:t>
+            </a:r>
+          </a:p>
+          <a:p>
+            <a:pPr lvl="1"/>
+            <a:endParaRPr lang="en-GB" dirty="0"/>
+          </a:p>
+          <a:p>
+            <a:pPr lvl="1"/>
+            <a:endParaRPr lang="en-GB" dirty="0"/>
+          </a:p>
+          <a:p>
+            <a:pPr lvl="1"/>
+            <a:endParaRPr lang="en-GB" dirty="0"/>
+          </a:p>
+        </p:txBody>
+      </p:sp>
+      <p:sp>
+        <p:nvSpPr>
+          <p:cNvPr id="4" name="Datumsplatzhalter 3"/>
+          <p:cNvSpPr>
+            <a:spLocks noGrp="1"/>
+          </p:cNvSpPr>
+          <p:nvPr>
+            <p:ph type="dt" sz="half" idx="10"/>
+          </p:nvPr>
+        </p:nvSpPr>
+        <p:spPr/>
+        <p:txBody>
+          <a:bodyPr/>
+          <a:lstStyle/>
+          <a:p>
+            <a:r>
+              <a:rPr lang="de-DE" dirty="0"/>
+              <a:t>Petr </a:t>
+            </a:r>
+            <a:r>
+              <a:rPr lang="de-DE" dirty="0" err="1"/>
+              <a:t>Sabovčik</a:t>
+            </a:r>
+            <a:r>
+              <a:rPr lang="de-DE" dirty="0"/>
+              <a:t> &amp; Pascal Wohlwender</a:t>
+            </a:r>
+            <a:endParaRPr lang="en-GB" dirty="0"/>
+          </a:p>
+        </p:txBody>
+      </p:sp>
+      <p:sp>
+        <p:nvSpPr>
+          <p:cNvPr id="5" name="Fußzeilenplatzhalter 4"/>
+          <p:cNvSpPr>
+            <a:spLocks noGrp="1"/>
+          </p:cNvSpPr>
+          <p:nvPr>
+            <p:ph type="ftr" sz="quarter" idx="11"/>
+          </p:nvPr>
+        </p:nvSpPr>
+        <p:spPr/>
+        <p:txBody>
+          <a:bodyPr/>
+          <a:lstStyle/>
+          <a:p>
+            <a:pPr algn="r"/>
+            <a:r>
+              <a:rPr lang="en-GB"/>
+              <a:t>University of Basel</a:t>
+            </a:r>
+            <a:endParaRPr lang="en-GB" dirty="0"/>
+          </a:p>
+        </p:txBody>
+      </p:sp>
+      <p:sp>
+        <p:nvSpPr>
+          <p:cNvPr id="6" name="Foliennummernplatzhalter 5"/>
+          <p:cNvSpPr>
+            <a:spLocks noGrp="1"/>
+          </p:cNvSpPr>
+          <p:nvPr>
+            <p:ph type="sldNum" sz="quarter" idx="12"/>
+          </p:nvPr>
+        </p:nvSpPr>
+        <p:spPr/>
+        <p:txBody>
+          <a:bodyPr/>
+          <a:lstStyle/>
+          <a:p>
+            <a:fld id="{B3811826-9277-4232-A2B5-17D05DFC7392}" type="slidenum">
+              <a:rPr lang="en-GB" smtClean="0"/>
+              <a:pPr/>
+              <a:t>13</a:t>
             </a:fld>
             <a:endParaRPr lang="en-GB" dirty="0"/>
           </a:p>
@@ -4338,7 +5344,7 @@
 </p:sld>
 </file>
 
-<file path=ppt/slides/slide13.xml><?xml version="1.0" encoding="utf-8"?>
+<file path=ppt/slides/slide14.xml><?xml version="1.0" encoding="utf-8"?>
 <p:sld xmlns:a="http://schemas.openxmlformats.org/drawingml/2006/main" xmlns:r="http://schemas.openxmlformats.org/officeDocument/2006/relationships" xmlns:p="http://schemas.openxmlformats.org/presentationml/2006/main">
   <p:cSld>
     <p:spTree>
@@ -10028,6 +11034,755 @@
           </p:txBody>
         </p:sp>
       </p:grpSp>
+      <p:grpSp>
+        <p:nvGrpSpPr>
+          <p:cNvPr id="10" name="Gruppieren 6">
+            <a:extLst>
+              <a:ext uri="{FF2B5EF4-FFF2-40B4-BE49-F238E27FC236}">
+                <a16:creationId xmlns:a16="http://schemas.microsoft.com/office/drawing/2014/main" id="{EA882BEC-6C83-E13B-1AE8-5C852F00BEA7}"/>
+              </a:ext>
+            </a:extLst>
+          </p:cNvPr>
+          <p:cNvGrpSpPr/>
+          <p:nvPr/>
+        </p:nvGrpSpPr>
+        <p:grpSpPr>
+          <a:xfrm>
+            <a:off x="431800" y="3375001"/>
+            <a:ext cx="1008112" cy="1008112"/>
+            <a:chOff x="431800" y="1528637"/>
+            <a:chExt cx="1008112" cy="1008112"/>
+          </a:xfrm>
+        </p:grpSpPr>
+        <p:sp>
+          <p:nvSpPr>
+            <p:cNvPr id="11" name="Gefaltete Ecke 7">
+              <a:extLst>
+                <a:ext uri="{FF2B5EF4-FFF2-40B4-BE49-F238E27FC236}">
+                  <a16:creationId xmlns:a16="http://schemas.microsoft.com/office/drawing/2014/main" id="{08EB2D77-FB36-8C36-CB17-CCCADFAE20B1}"/>
+                </a:ext>
+              </a:extLst>
+            </p:cNvPr>
+            <p:cNvSpPr/>
+            <p:nvPr/>
+          </p:nvSpPr>
+          <p:spPr>
+            <a:xfrm>
+              <a:off x="431800" y="1528637"/>
+              <a:ext cx="1008112" cy="1008112"/>
+            </a:xfrm>
+            <a:prstGeom prst="foldedCorner">
+              <a:avLst/>
+            </a:prstGeom>
+            <a:solidFill>
+              <a:schemeClr val="accent3"/>
+            </a:solidFill>
+            <a:ln>
+              <a:noFill/>
+            </a:ln>
+            <a:effectLst>
+              <a:outerShdw blurRad="50800" dist="38100" dir="2700000" algn="tl" rotWithShape="0">
+                <a:prstClr val="black">
+                  <a:alpha val="40000"/>
+                </a:prstClr>
+              </a:outerShdw>
+            </a:effectLst>
+          </p:spPr>
+          <p:style>
+            <a:lnRef idx="2">
+              <a:schemeClr val="accent1">
+                <a:shade val="50000"/>
+              </a:schemeClr>
+            </a:lnRef>
+            <a:fillRef idx="1">
+              <a:schemeClr val="accent1"/>
+            </a:fillRef>
+            <a:effectRef idx="0">
+              <a:schemeClr val="accent1"/>
+            </a:effectRef>
+            <a:fontRef idx="minor">
+              <a:schemeClr val="lt1"/>
+            </a:fontRef>
+          </p:style>
+          <p:txBody>
+            <a:bodyPr rtlCol="0" anchor="ctr"/>
+            <a:lstStyle/>
+            <a:p>
+              <a:pPr algn="ctr"/>
+              <a:endParaRPr lang="en-GB" dirty="0" err="1"/>
+            </a:p>
+          </p:txBody>
+        </p:sp>
+        <p:sp>
+          <p:nvSpPr>
+            <p:cNvPr id="12" name="Geschweifte Klammer links/rechts 8">
+              <a:extLst>
+                <a:ext uri="{FF2B5EF4-FFF2-40B4-BE49-F238E27FC236}">
+                  <a16:creationId xmlns:a16="http://schemas.microsoft.com/office/drawing/2014/main" id="{B6887194-3177-2305-0167-29ADF61166A5}"/>
+                </a:ext>
+              </a:extLst>
+            </p:cNvPr>
+            <p:cNvSpPr/>
+            <p:nvPr/>
+          </p:nvSpPr>
+          <p:spPr>
+            <a:xfrm>
+              <a:off x="647824" y="1848976"/>
+              <a:ext cx="576064" cy="367434"/>
+            </a:xfrm>
+            <a:prstGeom prst="bracePair">
+              <a:avLst/>
+            </a:prstGeom>
+            <a:ln w="25400">
+              <a:solidFill>
+                <a:schemeClr val="bg1"/>
+              </a:solidFill>
+            </a:ln>
+          </p:spPr>
+          <p:style>
+            <a:lnRef idx="1">
+              <a:schemeClr val="accent1"/>
+            </a:lnRef>
+            <a:fillRef idx="0">
+              <a:schemeClr val="accent1"/>
+            </a:fillRef>
+            <a:effectRef idx="0">
+              <a:schemeClr val="accent1"/>
+            </a:effectRef>
+            <a:fontRef idx="minor">
+              <a:schemeClr val="tx1"/>
+            </a:fontRef>
+          </p:style>
+          <p:txBody>
+            <a:bodyPr rtlCol="0" anchor="ctr"/>
+            <a:lstStyle/>
+            <a:p>
+              <a:pPr algn="ctr"/>
+              <a:r>
+                <a:rPr lang="en-GB" dirty="0">
+                  <a:solidFill>
+                    <a:schemeClr val="bg1"/>
+                  </a:solidFill>
+                </a:rPr>
+                <a:t>.C</a:t>
+              </a:r>
+            </a:p>
+          </p:txBody>
+        </p:sp>
+      </p:grpSp>
+      <p:grpSp>
+        <p:nvGrpSpPr>
+          <p:cNvPr id="13" name="Gruppieren 6">
+            <a:extLst>
+              <a:ext uri="{FF2B5EF4-FFF2-40B4-BE49-F238E27FC236}">
+                <a16:creationId xmlns:a16="http://schemas.microsoft.com/office/drawing/2014/main" id="{BF44C89D-AAE0-2EB7-D461-88F02CC5DC9F}"/>
+              </a:ext>
+            </a:extLst>
+          </p:cNvPr>
+          <p:cNvGrpSpPr/>
+          <p:nvPr/>
+        </p:nvGrpSpPr>
+        <p:grpSpPr>
+          <a:xfrm>
+            <a:off x="431800" y="4617146"/>
+            <a:ext cx="1008112" cy="1008112"/>
+            <a:chOff x="431800" y="1528637"/>
+            <a:chExt cx="1008112" cy="1008112"/>
+          </a:xfrm>
+        </p:grpSpPr>
+        <p:sp>
+          <p:nvSpPr>
+            <p:cNvPr id="14" name="Gefaltete Ecke 7">
+              <a:extLst>
+                <a:ext uri="{FF2B5EF4-FFF2-40B4-BE49-F238E27FC236}">
+                  <a16:creationId xmlns:a16="http://schemas.microsoft.com/office/drawing/2014/main" id="{F6A1D49D-1472-2913-39F5-62A2BA8DDF47}"/>
+                </a:ext>
+              </a:extLst>
+            </p:cNvPr>
+            <p:cNvSpPr/>
+            <p:nvPr/>
+          </p:nvSpPr>
+          <p:spPr>
+            <a:xfrm>
+              <a:off x="431800" y="1528637"/>
+              <a:ext cx="1008112" cy="1008112"/>
+            </a:xfrm>
+            <a:prstGeom prst="foldedCorner">
+              <a:avLst/>
+            </a:prstGeom>
+            <a:solidFill>
+              <a:schemeClr val="accent3"/>
+            </a:solidFill>
+            <a:ln>
+              <a:noFill/>
+            </a:ln>
+            <a:effectLst>
+              <a:outerShdw blurRad="50800" dist="38100" dir="2700000" algn="tl" rotWithShape="0">
+                <a:prstClr val="black">
+                  <a:alpha val="40000"/>
+                </a:prstClr>
+              </a:outerShdw>
+            </a:effectLst>
+          </p:spPr>
+          <p:style>
+            <a:lnRef idx="2">
+              <a:schemeClr val="accent1">
+                <a:shade val="50000"/>
+              </a:schemeClr>
+            </a:lnRef>
+            <a:fillRef idx="1">
+              <a:schemeClr val="accent1"/>
+            </a:fillRef>
+            <a:effectRef idx="0">
+              <a:schemeClr val="accent1"/>
+            </a:effectRef>
+            <a:fontRef idx="minor">
+              <a:schemeClr val="lt1"/>
+            </a:fontRef>
+          </p:style>
+          <p:txBody>
+            <a:bodyPr rtlCol="0" anchor="ctr"/>
+            <a:lstStyle/>
+            <a:p>
+              <a:pPr algn="ctr"/>
+              <a:endParaRPr lang="en-GB" dirty="0" err="1"/>
+            </a:p>
+          </p:txBody>
+        </p:sp>
+        <p:sp>
+          <p:nvSpPr>
+            <p:cNvPr id="15" name="Geschweifte Klammer links/rechts 8">
+              <a:extLst>
+                <a:ext uri="{FF2B5EF4-FFF2-40B4-BE49-F238E27FC236}">
+                  <a16:creationId xmlns:a16="http://schemas.microsoft.com/office/drawing/2014/main" id="{5E7801F4-5B2E-9EFB-E8EB-3FE619524ED7}"/>
+                </a:ext>
+              </a:extLst>
+            </p:cNvPr>
+            <p:cNvSpPr/>
+            <p:nvPr/>
+          </p:nvSpPr>
+          <p:spPr>
+            <a:xfrm>
+              <a:off x="647824" y="1848976"/>
+              <a:ext cx="576064" cy="367434"/>
+            </a:xfrm>
+            <a:prstGeom prst="bracePair">
+              <a:avLst/>
+            </a:prstGeom>
+            <a:ln w="25400">
+              <a:solidFill>
+                <a:schemeClr val="bg1"/>
+              </a:solidFill>
+            </a:ln>
+          </p:spPr>
+          <p:style>
+            <a:lnRef idx="1">
+              <a:schemeClr val="accent1"/>
+            </a:lnRef>
+            <a:fillRef idx="0">
+              <a:schemeClr val="accent1"/>
+            </a:fillRef>
+            <a:effectRef idx="0">
+              <a:schemeClr val="accent1"/>
+            </a:effectRef>
+            <a:fontRef idx="minor">
+              <a:schemeClr val="tx1"/>
+            </a:fontRef>
+          </p:style>
+          <p:txBody>
+            <a:bodyPr rtlCol="0" anchor="ctr"/>
+            <a:lstStyle/>
+            <a:p>
+              <a:pPr algn="ctr"/>
+              <a:r>
+                <a:rPr lang="en-GB" dirty="0">
+                  <a:solidFill>
+                    <a:schemeClr val="bg1"/>
+                  </a:solidFill>
+                </a:rPr>
+                <a:t>.C</a:t>
+              </a:r>
+            </a:p>
+          </p:txBody>
+        </p:sp>
+      </p:grpSp>
+      <p:sp>
+        <p:nvSpPr>
+          <p:cNvPr id="16" name="TextBox 15">
+            <a:extLst>
+              <a:ext uri="{FF2B5EF4-FFF2-40B4-BE49-F238E27FC236}">
+                <a16:creationId xmlns:a16="http://schemas.microsoft.com/office/drawing/2014/main" id="{084B80EA-2DE6-E5D8-F4A8-AE52E54B41AF}"/>
+              </a:ext>
+            </a:extLst>
+          </p:cNvPr>
+          <p:cNvSpPr txBox="1"/>
+          <p:nvPr/>
+        </p:nvSpPr>
+        <p:spPr>
+          <a:xfrm>
+            <a:off x="1655527" y="2453195"/>
+            <a:ext cx="2088232" cy="288032"/>
+          </a:xfrm>
+          <a:prstGeom prst="rect">
+            <a:avLst/>
+          </a:prstGeom>
+          <a:noFill/>
+        </p:spPr>
+        <p:txBody>
+          <a:bodyPr wrap="square" lIns="0" tIns="0" rIns="0" bIns="0" rtlCol="0">
+            <a:noAutofit/>
+          </a:bodyPr>
+          <a:lstStyle/>
+          <a:p>
+            <a:pPr>
+              <a:lnSpc>
+                <a:spcPts val="2200"/>
+              </a:lnSpc>
+            </a:pPr>
+            <a:r>
+              <a:rPr lang="en-US" dirty="0" err="1"/>
+              <a:t>main.c</a:t>
+            </a:r>
+            <a:endParaRPr lang="en-US" dirty="0"/>
+          </a:p>
+        </p:txBody>
+      </p:sp>
+      <p:sp>
+        <p:nvSpPr>
+          <p:cNvPr id="17" name="TextBox 16">
+            <a:extLst>
+              <a:ext uri="{FF2B5EF4-FFF2-40B4-BE49-F238E27FC236}">
+                <a16:creationId xmlns:a16="http://schemas.microsoft.com/office/drawing/2014/main" id="{6BAF7014-8B77-4742-397F-C19EA67F7365}"/>
+              </a:ext>
+            </a:extLst>
+          </p:cNvPr>
+          <p:cNvSpPr txBox="1"/>
+          <p:nvPr/>
+        </p:nvSpPr>
+        <p:spPr>
+          <a:xfrm>
+            <a:off x="1655527" y="3695340"/>
+            <a:ext cx="2088232" cy="288032"/>
+          </a:xfrm>
+          <a:prstGeom prst="rect">
+            <a:avLst/>
+          </a:prstGeom>
+          <a:noFill/>
+        </p:spPr>
+        <p:txBody>
+          <a:bodyPr wrap="square" lIns="0" tIns="0" rIns="0" bIns="0" rtlCol="0">
+            <a:noAutofit/>
+          </a:bodyPr>
+          <a:lstStyle/>
+          <a:p>
+            <a:pPr>
+              <a:lnSpc>
+                <a:spcPts val="2200"/>
+              </a:lnSpc>
+            </a:pPr>
+            <a:r>
+              <a:rPr lang="en-US" dirty="0" err="1"/>
+              <a:t>productivity_mode.c</a:t>
+            </a:r>
+            <a:endParaRPr lang="en-US" dirty="0"/>
+          </a:p>
+        </p:txBody>
+      </p:sp>
+      <p:sp>
+        <p:nvSpPr>
+          <p:cNvPr id="18" name="TextBox 17">
+            <a:extLst>
+              <a:ext uri="{FF2B5EF4-FFF2-40B4-BE49-F238E27FC236}">
+                <a16:creationId xmlns:a16="http://schemas.microsoft.com/office/drawing/2014/main" id="{E242385A-0385-6EF0-0A44-A206B9A972F3}"/>
+              </a:ext>
+            </a:extLst>
+          </p:cNvPr>
+          <p:cNvSpPr txBox="1"/>
+          <p:nvPr/>
+        </p:nvSpPr>
+        <p:spPr>
+          <a:xfrm>
+            <a:off x="1655527" y="4911521"/>
+            <a:ext cx="2088232" cy="288032"/>
+          </a:xfrm>
+          <a:prstGeom prst="rect">
+            <a:avLst/>
+          </a:prstGeom>
+          <a:noFill/>
+        </p:spPr>
+        <p:txBody>
+          <a:bodyPr wrap="square" lIns="0" tIns="0" rIns="0" bIns="0" rtlCol="0">
+            <a:noAutofit/>
+          </a:bodyPr>
+          <a:lstStyle/>
+          <a:p>
+            <a:pPr>
+              <a:lnSpc>
+                <a:spcPts val="2200"/>
+              </a:lnSpc>
+            </a:pPr>
+            <a:r>
+              <a:rPr lang="en-US" dirty="0" err="1"/>
+              <a:t>blacklist_manager.c</a:t>
+            </a:r>
+            <a:endParaRPr lang="en-US" dirty="0"/>
+          </a:p>
+        </p:txBody>
+      </p:sp>
+      <p:grpSp>
+        <p:nvGrpSpPr>
+          <p:cNvPr id="20" name="Gruppieren 6">
+            <a:extLst>
+              <a:ext uri="{FF2B5EF4-FFF2-40B4-BE49-F238E27FC236}">
+                <a16:creationId xmlns:a16="http://schemas.microsoft.com/office/drawing/2014/main" id="{DF9C15E3-01D1-68EA-6073-33E2BB150A29}"/>
+              </a:ext>
+            </a:extLst>
+          </p:cNvPr>
+          <p:cNvGrpSpPr/>
+          <p:nvPr/>
+        </p:nvGrpSpPr>
+        <p:grpSpPr>
+          <a:xfrm>
+            <a:off x="4605554" y="2132856"/>
+            <a:ext cx="1008112" cy="1008112"/>
+            <a:chOff x="431800" y="1528637"/>
+            <a:chExt cx="1008112" cy="1008112"/>
+          </a:xfrm>
+        </p:grpSpPr>
+        <p:sp>
+          <p:nvSpPr>
+            <p:cNvPr id="21" name="Gefaltete Ecke 7">
+              <a:extLst>
+                <a:ext uri="{FF2B5EF4-FFF2-40B4-BE49-F238E27FC236}">
+                  <a16:creationId xmlns:a16="http://schemas.microsoft.com/office/drawing/2014/main" id="{0019DADA-396C-E541-E4A4-4191011287DA}"/>
+                </a:ext>
+              </a:extLst>
+            </p:cNvPr>
+            <p:cNvSpPr/>
+            <p:nvPr/>
+          </p:nvSpPr>
+          <p:spPr>
+            <a:xfrm>
+              <a:off x="431800" y="1528637"/>
+              <a:ext cx="1008112" cy="1008112"/>
+            </a:xfrm>
+            <a:prstGeom prst="foldedCorner">
+              <a:avLst/>
+            </a:prstGeom>
+            <a:solidFill>
+              <a:schemeClr val="accent3"/>
+            </a:solidFill>
+            <a:ln>
+              <a:noFill/>
+            </a:ln>
+            <a:effectLst>
+              <a:outerShdw blurRad="50800" dist="38100" dir="2700000" algn="tl" rotWithShape="0">
+                <a:prstClr val="black">
+                  <a:alpha val="40000"/>
+                </a:prstClr>
+              </a:outerShdw>
+            </a:effectLst>
+          </p:spPr>
+          <p:style>
+            <a:lnRef idx="2">
+              <a:schemeClr val="accent1">
+                <a:shade val="50000"/>
+              </a:schemeClr>
+            </a:lnRef>
+            <a:fillRef idx="1">
+              <a:schemeClr val="accent1"/>
+            </a:fillRef>
+            <a:effectRef idx="0">
+              <a:schemeClr val="accent1"/>
+            </a:effectRef>
+            <a:fontRef idx="minor">
+              <a:schemeClr val="lt1"/>
+            </a:fontRef>
+          </p:style>
+          <p:txBody>
+            <a:bodyPr rtlCol="0" anchor="ctr"/>
+            <a:lstStyle/>
+            <a:p>
+              <a:pPr algn="ctr"/>
+              <a:endParaRPr lang="en-GB" dirty="0" err="1"/>
+            </a:p>
+          </p:txBody>
+        </p:sp>
+        <p:sp>
+          <p:nvSpPr>
+            <p:cNvPr id="22" name="Geschweifte Klammer links/rechts 8">
+              <a:extLst>
+                <a:ext uri="{FF2B5EF4-FFF2-40B4-BE49-F238E27FC236}">
+                  <a16:creationId xmlns:a16="http://schemas.microsoft.com/office/drawing/2014/main" id="{00FB4002-3FDC-5ECF-D1DA-3C0C6CA35F6C}"/>
+                </a:ext>
+              </a:extLst>
+            </p:cNvPr>
+            <p:cNvSpPr/>
+            <p:nvPr/>
+          </p:nvSpPr>
+          <p:spPr>
+            <a:xfrm>
+              <a:off x="647824" y="1848976"/>
+              <a:ext cx="576064" cy="367434"/>
+            </a:xfrm>
+            <a:prstGeom prst="bracePair">
+              <a:avLst/>
+            </a:prstGeom>
+            <a:ln w="25400">
+              <a:solidFill>
+                <a:schemeClr val="bg1"/>
+              </a:solidFill>
+            </a:ln>
+          </p:spPr>
+          <p:style>
+            <a:lnRef idx="1">
+              <a:schemeClr val="accent1"/>
+            </a:lnRef>
+            <a:fillRef idx="0">
+              <a:schemeClr val="accent1"/>
+            </a:fillRef>
+            <a:effectRef idx="0">
+              <a:schemeClr val="accent1"/>
+            </a:effectRef>
+            <a:fontRef idx="minor">
+              <a:schemeClr val="tx1"/>
+            </a:fontRef>
+          </p:style>
+          <p:txBody>
+            <a:bodyPr rtlCol="0" anchor="ctr"/>
+            <a:lstStyle/>
+            <a:p>
+              <a:pPr algn="ctr"/>
+              <a:r>
+                <a:rPr lang="en-GB" dirty="0">
+                  <a:solidFill>
+                    <a:schemeClr val="bg1"/>
+                  </a:solidFill>
+                </a:rPr>
+                <a:t>.o</a:t>
+              </a:r>
+            </a:p>
+          </p:txBody>
+        </p:sp>
+      </p:grpSp>
+      <p:sp>
+        <p:nvSpPr>
+          <p:cNvPr id="23" name="TextBox 22">
+            <a:extLst>
+              <a:ext uri="{FF2B5EF4-FFF2-40B4-BE49-F238E27FC236}">
+                <a16:creationId xmlns:a16="http://schemas.microsoft.com/office/drawing/2014/main" id="{71A7D4F0-0FF5-A1AE-6F67-486D88354CD8}"/>
+              </a:ext>
+            </a:extLst>
+          </p:cNvPr>
+          <p:cNvSpPr txBox="1"/>
+          <p:nvPr/>
+        </p:nvSpPr>
+        <p:spPr>
+          <a:xfrm>
+            <a:off x="5829690" y="2453195"/>
+            <a:ext cx="2088232" cy="288032"/>
+          </a:xfrm>
+          <a:prstGeom prst="rect">
+            <a:avLst/>
+          </a:prstGeom>
+          <a:noFill/>
+        </p:spPr>
+        <p:txBody>
+          <a:bodyPr wrap="square" lIns="0" tIns="0" rIns="0" bIns="0" rtlCol="0">
+            <a:noAutofit/>
+          </a:bodyPr>
+          <a:lstStyle/>
+          <a:p>
+            <a:pPr>
+              <a:lnSpc>
+                <a:spcPts val="2200"/>
+              </a:lnSpc>
+            </a:pPr>
+            <a:r>
+              <a:rPr lang="en-US" dirty="0" err="1"/>
+              <a:t>proshdom</a:t>
+            </a:r>
+            <a:endParaRPr lang="en-US" dirty="0"/>
+          </a:p>
+        </p:txBody>
+      </p:sp>
+      <p:grpSp>
+        <p:nvGrpSpPr>
+          <p:cNvPr id="24" name="Gruppieren 6">
+            <a:extLst>
+              <a:ext uri="{FF2B5EF4-FFF2-40B4-BE49-F238E27FC236}">
+                <a16:creationId xmlns:a16="http://schemas.microsoft.com/office/drawing/2014/main" id="{9F9C0165-539F-2A81-6864-17354E97C447}"/>
+              </a:ext>
+            </a:extLst>
+          </p:cNvPr>
+          <p:cNvGrpSpPr/>
+          <p:nvPr/>
+        </p:nvGrpSpPr>
+        <p:grpSpPr>
+          <a:xfrm>
+            <a:off x="4603685" y="3375001"/>
+            <a:ext cx="1008112" cy="1008112"/>
+            <a:chOff x="431800" y="1528637"/>
+            <a:chExt cx="1008112" cy="1008112"/>
+          </a:xfrm>
+        </p:grpSpPr>
+        <p:sp>
+          <p:nvSpPr>
+            <p:cNvPr id="25" name="Gefaltete Ecke 7">
+              <a:extLst>
+                <a:ext uri="{FF2B5EF4-FFF2-40B4-BE49-F238E27FC236}">
+                  <a16:creationId xmlns:a16="http://schemas.microsoft.com/office/drawing/2014/main" id="{F186D48F-0203-8784-BF7C-2B1F6E394D02}"/>
+                </a:ext>
+              </a:extLst>
+            </p:cNvPr>
+            <p:cNvSpPr/>
+            <p:nvPr/>
+          </p:nvSpPr>
+          <p:spPr>
+            <a:xfrm>
+              <a:off x="431800" y="1528637"/>
+              <a:ext cx="1008112" cy="1008112"/>
+            </a:xfrm>
+            <a:prstGeom prst="foldedCorner">
+              <a:avLst/>
+            </a:prstGeom>
+            <a:solidFill>
+              <a:schemeClr val="accent3"/>
+            </a:solidFill>
+            <a:ln>
+              <a:noFill/>
+            </a:ln>
+            <a:effectLst>
+              <a:outerShdw blurRad="50800" dist="38100" dir="2700000" algn="tl" rotWithShape="0">
+                <a:prstClr val="black">
+                  <a:alpha val="40000"/>
+                </a:prstClr>
+              </a:outerShdw>
+            </a:effectLst>
+          </p:spPr>
+          <p:style>
+            <a:lnRef idx="2">
+              <a:schemeClr val="accent1">
+                <a:shade val="50000"/>
+              </a:schemeClr>
+            </a:lnRef>
+            <a:fillRef idx="1">
+              <a:schemeClr val="accent1"/>
+            </a:fillRef>
+            <a:effectRef idx="0">
+              <a:schemeClr val="accent1"/>
+            </a:effectRef>
+            <a:fontRef idx="minor">
+              <a:schemeClr val="lt1"/>
+            </a:fontRef>
+          </p:style>
+          <p:txBody>
+            <a:bodyPr rtlCol="0" anchor="ctr"/>
+            <a:lstStyle/>
+            <a:p>
+              <a:pPr algn="ctr"/>
+              <a:endParaRPr lang="en-GB" dirty="0" err="1"/>
+            </a:p>
+          </p:txBody>
+        </p:sp>
+        <p:sp>
+          <p:nvSpPr>
+            <p:cNvPr id="26" name="Geschweifte Klammer links/rechts 8">
+              <a:extLst>
+                <a:ext uri="{FF2B5EF4-FFF2-40B4-BE49-F238E27FC236}">
+                  <a16:creationId xmlns:a16="http://schemas.microsoft.com/office/drawing/2014/main" id="{30523A4B-38E5-C72F-28A4-3F071F4D2745}"/>
+                </a:ext>
+              </a:extLst>
+            </p:cNvPr>
+            <p:cNvSpPr/>
+            <p:nvPr/>
+          </p:nvSpPr>
+          <p:spPr>
+            <a:xfrm>
+              <a:off x="647824" y="1848976"/>
+              <a:ext cx="576064" cy="367434"/>
+            </a:xfrm>
+            <a:prstGeom prst="bracePair">
+              <a:avLst/>
+            </a:prstGeom>
+            <a:ln w="25400">
+              <a:solidFill>
+                <a:schemeClr val="bg1"/>
+              </a:solidFill>
+            </a:ln>
+          </p:spPr>
+          <p:style>
+            <a:lnRef idx="1">
+              <a:schemeClr val="accent1"/>
+            </a:lnRef>
+            <a:fillRef idx="0">
+              <a:schemeClr val="accent1"/>
+            </a:fillRef>
+            <a:effectRef idx="0">
+              <a:schemeClr val="accent1"/>
+            </a:effectRef>
+            <a:fontRef idx="minor">
+              <a:schemeClr val="tx1"/>
+            </a:fontRef>
+          </p:style>
+          <p:txBody>
+            <a:bodyPr rtlCol="0" anchor="ctr"/>
+            <a:lstStyle/>
+            <a:p>
+              <a:pPr algn="ctr"/>
+              <a:r>
+                <a:rPr lang="en-GB" dirty="0">
+                  <a:solidFill>
+                    <a:schemeClr val="bg1"/>
+                  </a:solidFill>
+                </a:rPr>
+                <a:t>.h</a:t>
+              </a:r>
+            </a:p>
+          </p:txBody>
+        </p:sp>
+      </p:grpSp>
+      <p:sp>
+        <p:nvSpPr>
+          <p:cNvPr id="27" name="TextBox 26">
+            <a:extLst>
+              <a:ext uri="{FF2B5EF4-FFF2-40B4-BE49-F238E27FC236}">
+                <a16:creationId xmlns:a16="http://schemas.microsoft.com/office/drawing/2014/main" id="{8D9FA3FE-C4B1-FF0C-EA3C-9313ECED1EBE}"/>
+              </a:ext>
+            </a:extLst>
+          </p:cNvPr>
+          <p:cNvSpPr txBox="1"/>
+          <p:nvPr/>
+        </p:nvSpPr>
+        <p:spPr>
+          <a:xfrm>
+            <a:off x="5827412" y="3695340"/>
+            <a:ext cx="2088232" cy="288032"/>
+          </a:xfrm>
+          <a:prstGeom prst="rect">
+            <a:avLst/>
+          </a:prstGeom>
+          <a:noFill/>
+        </p:spPr>
+        <p:txBody>
+          <a:bodyPr wrap="square" lIns="0" tIns="0" rIns="0" bIns="0" rtlCol="0">
+            <a:noAutofit/>
+          </a:bodyPr>
+          <a:lstStyle/>
+          <a:p>
+            <a:pPr>
+              <a:lnSpc>
+                <a:spcPts val="2200"/>
+              </a:lnSpc>
+            </a:pPr>
+            <a:r>
+              <a:rPr lang="en-US" dirty="0" err="1"/>
+              <a:t>productivity_mode.h</a:t>
+            </a:r>
+            <a:endParaRPr lang="en-US" dirty="0"/>
+          </a:p>
+        </p:txBody>
+      </p:sp>
     </p:spTree>
     <p:extLst>
       <p:ext uri="{BB962C8B-B14F-4D97-AF65-F5344CB8AC3E}">

--- a/docs/project_final_presentation.pptx
+++ b/docs/project_final_presentation.pptx
@@ -381,7 +381,7 @@
           <a:p>
             <a:fld id="{484FEB8E-57CB-43C0-BEF7-4F4116A5252C}" type="datetimeFigureOut">
               <a:rPr lang="de-CH" smtClean="0"/>
-              <a:t>13.06.2023</a:t>
+              <a:t>13.06.23</a:t>
             </a:fld>
             <a:endParaRPr lang="de-CH"/>
           </a:p>
@@ -540,7 +540,7 @@
           <a:p>
             <a:fld id="{DA53D58F-CC03-47C4-AC79-D3C984A61519}" type="slidenum">
               <a:rPr lang="de-CH" smtClean="0"/>
-              <a:t>‹#›</a:t>
+              <a:t>‹Nr.›</a:t>
             </a:fld>
             <a:endParaRPr lang="de-CH"/>
           </a:p>
@@ -997,7 +997,7 @@
             <a:fld id="{B3811826-9277-4232-A2B5-17D05DFC7392}" type="slidenum">
               <a:rPr lang="en-GB" smtClean="0"/>
               <a:pPr/>
-              <a:t>‹#›</a:t>
+              <a:t>‹Nr.›</a:t>
             </a:fld>
             <a:endParaRPr lang="en-GB" dirty="0"/>
           </a:p>
@@ -1498,7 +1498,7 @@
             <a:fld id="{B3811826-9277-4232-A2B5-17D05DFC7392}" type="slidenum">
               <a:rPr lang="en-GB" smtClean="0"/>
               <a:pPr/>
-              <a:t>‹#›</a:t>
+              <a:t>‹Nr.›</a:t>
             </a:fld>
             <a:endParaRPr lang="en-GB" dirty="0"/>
           </a:p>
@@ -1622,7 +1622,7 @@
             <a:fld id="{B3811826-9277-4232-A2B5-17D05DFC7392}" type="slidenum">
               <a:rPr lang="en-GB" smtClean="0"/>
               <a:pPr/>
-              <a:t>‹#›</a:t>
+              <a:t>‹Nr.›</a:t>
             </a:fld>
             <a:endParaRPr lang="en-GB" dirty="0"/>
           </a:p>
@@ -1847,7 +1847,7 @@
             <a:fld id="{B3811826-9277-4232-A2B5-17D05DFC7392}" type="slidenum">
               <a:rPr lang="en-GB" smtClean="0"/>
               <a:pPr/>
-              <a:t>‹#›</a:t>
+              <a:t>‹Nr.›</a:t>
             </a:fld>
             <a:endParaRPr lang="en-GB" dirty="0"/>
           </a:p>
@@ -2173,7 +2173,7 @@
             <a:fld id="{B3811826-9277-4232-A2B5-17D05DFC7392}" type="slidenum">
               <a:rPr lang="en-GB" smtClean="0"/>
               <a:pPr/>
-              <a:t>‹#›</a:t>
+              <a:t>‹Nr.›</a:t>
             </a:fld>
             <a:endParaRPr lang="en-GB" dirty="0"/>
           </a:p>
@@ -2577,7 +2577,7 @@
             <a:fld id="{B3811826-9277-4232-A2B5-17D05DFC7392}" type="slidenum">
               <a:rPr lang="en-GB" smtClean="0"/>
               <a:pPr/>
-              <a:t>‹#›</a:t>
+              <a:t>‹Nr.›</a:t>
             </a:fld>
             <a:endParaRPr lang="en-GB" dirty="0"/>
           </a:p>
@@ -2860,7 +2860,7 @@
             <a:fld id="{B3811826-9277-4232-A2B5-17D05DFC7392}" type="slidenum">
               <a:rPr lang="en-GB" smtClean="0"/>
               <a:pPr/>
-              <a:t>‹#›</a:t>
+              <a:t>‹Nr.›</a:t>
             </a:fld>
             <a:endParaRPr lang="en-GB" dirty="0"/>
           </a:p>
@@ -3177,7 +3177,7 @@
             <a:fld id="{B3811826-9277-4232-A2B5-17D05DFC7392}" type="slidenum">
               <a:rPr lang="en-GB" smtClean="0"/>
               <a:pPr/>
-              <a:t>‹#›</a:t>
+              <a:t>‹Nr.›</a:t>
             </a:fld>
             <a:endParaRPr lang="en-GB" dirty="0"/>
           </a:p>
@@ -3566,7 +3566,7 @@
             </a:r>
             <a:r>
               <a:rPr lang="en-GB" dirty="0"/>
-              <a:t> &amp; Pascal Wohlwender, 13 June 2023</a:t>
+              <a:t> &amp; Pascal Wohlwender, 14 June 2023</a:t>
             </a:r>
           </a:p>
         </p:txBody>
@@ -3663,47 +3663,6 @@
       </p:sp>
       <p:sp>
         <p:nvSpPr>
-          <p:cNvPr id="3" name="Inhaltsplatzhalter 2"/>
-          <p:cNvSpPr>
-            <a:spLocks noGrp="1"/>
-          </p:cNvSpPr>
-          <p:nvPr>
-            <p:ph idx="1"/>
-          </p:nvPr>
-        </p:nvSpPr>
-        <p:spPr/>
-        <p:txBody>
-          <a:bodyPr/>
-          <a:lstStyle/>
-          <a:p>
-            <a:pPr lvl="2"/>
-            <a:r>
-              <a:rPr lang="en-GB" dirty="0"/>
-              <a:t>While loop which takes input</a:t>
-            </a:r>
-          </a:p>
-          <a:p>
-            <a:pPr lvl="2"/>
-            <a:r>
-              <a:rPr lang="en-GB" dirty="0"/>
-              <a:t>Input then handled</a:t>
-            </a:r>
-          </a:p>
-          <a:p>
-            <a:pPr lvl="2"/>
-            <a:r>
-              <a:rPr lang="en-GB" dirty="0" err="1"/>
-              <a:t>readline</a:t>
-            </a:r>
-            <a:r>
-              <a:rPr lang="en-GB" dirty="0"/>
-              <a:t> library used for command history</a:t>
-            </a:r>
-          </a:p>
-        </p:txBody>
-      </p:sp>
-      <p:sp>
-        <p:nvSpPr>
           <p:cNvPr id="4" name="Datumsplatzhalter 3"/>
           <p:cNvSpPr>
             <a:spLocks noGrp="1"/>
@@ -3795,8 +3754,8 @@
         </p:nvSpPr>
         <p:spPr>
           <a:xfrm>
-            <a:off x="611560" y="2420888"/>
-            <a:ext cx="5760640" cy="3600400"/>
+            <a:off x="454914" y="2528510"/>
+            <a:ext cx="5760640" cy="3672408"/>
           </a:xfrm>
           <a:prstGeom prst="rect">
             <a:avLst/>
@@ -4064,6 +4023,220 @@
             <a:r>
               <a:rPr lang="en-GB" dirty="0"/>
               <a:t>}</a:t>
+            </a:r>
+          </a:p>
+        </p:txBody>
+      </p:sp>
+      <p:sp>
+        <p:nvSpPr>
+          <p:cNvPr id="9" name="Inhaltsplatzhalter 2">
+            <a:extLst>
+              <a:ext uri="{FF2B5EF4-FFF2-40B4-BE49-F238E27FC236}">
+                <a16:creationId xmlns:a16="http://schemas.microsoft.com/office/drawing/2014/main" id="{AA9229D3-FAD4-E1B0-C336-C048AA6C5CAC}"/>
+              </a:ext>
+            </a:extLst>
+          </p:cNvPr>
+          <p:cNvSpPr txBox="1">
+            <a:spLocks/>
+          </p:cNvSpPr>
+          <p:nvPr/>
+        </p:nvSpPr>
+        <p:spPr>
+          <a:xfrm>
+            <a:off x="431900" y="1484456"/>
+            <a:ext cx="8280200" cy="4716462"/>
+          </a:xfrm>
+          <a:prstGeom prst="rect">
+            <a:avLst/>
+          </a:prstGeom>
+        </p:spPr>
+        <p:txBody>
+          <a:bodyPr vert="horz" lIns="0" tIns="0" rIns="0" bIns="0" rtlCol="0">
+            <a:noAutofit/>
+          </a:bodyPr>
+          <a:lstStyle>
+            <a:lvl1pPr marL="0" indent="0" algn="l" defTabSz="914400" rtl="0" eaLnBrk="1" latinLnBrk="0" hangingPunct="1">
+              <a:lnSpc>
+                <a:spcPts val="2200"/>
+              </a:lnSpc>
+              <a:spcBef>
+                <a:spcPts val="0"/>
+              </a:spcBef>
+              <a:buFont typeface="Arial" panose="020B0604020202020204" pitchFamily="34" charset="0"/>
+              <a:buNone/>
+              <a:defRPr sz="1800" kern="1200">
+                <a:solidFill>
+                  <a:schemeClr val="tx1"/>
+                </a:solidFill>
+                <a:latin typeface="+mn-lt"/>
+                <a:ea typeface="+mn-ea"/>
+                <a:cs typeface="+mn-cs"/>
+              </a:defRPr>
+            </a:lvl1pPr>
+            <a:lvl2pPr marL="180000" indent="-180000" algn="l" defTabSz="914400" rtl="0" eaLnBrk="1" latinLnBrk="0" hangingPunct="1">
+              <a:lnSpc>
+                <a:spcPts val="2200"/>
+              </a:lnSpc>
+              <a:spcBef>
+                <a:spcPts val="0"/>
+              </a:spcBef>
+              <a:buFont typeface="Arial" panose="020B0604020202020204" pitchFamily="34" charset="0"/>
+              <a:buChar char="–"/>
+              <a:defRPr sz="1800" kern="1200">
+                <a:solidFill>
+                  <a:schemeClr val="tx1"/>
+                </a:solidFill>
+                <a:latin typeface="+mn-lt"/>
+                <a:ea typeface="+mn-ea"/>
+                <a:cs typeface="+mn-cs"/>
+              </a:defRPr>
+            </a:lvl2pPr>
+            <a:lvl3pPr marL="360000" indent="-180000" algn="l" defTabSz="914400" rtl="0" eaLnBrk="1" latinLnBrk="0" hangingPunct="1">
+              <a:lnSpc>
+                <a:spcPts val="2200"/>
+              </a:lnSpc>
+              <a:spcBef>
+                <a:spcPts val="0"/>
+              </a:spcBef>
+              <a:buFont typeface="Arial" panose="020B0604020202020204" pitchFamily="34" charset="0"/>
+              <a:buChar char="–"/>
+              <a:defRPr sz="1800" kern="1200">
+                <a:solidFill>
+                  <a:schemeClr val="tx1"/>
+                </a:solidFill>
+                <a:latin typeface="+mn-lt"/>
+                <a:ea typeface="+mn-ea"/>
+                <a:cs typeface="+mn-cs"/>
+              </a:defRPr>
+            </a:lvl3pPr>
+            <a:lvl4pPr marL="540000" indent="-180000" algn="l" defTabSz="914400" rtl="0" eaLnBrk="1" latinLnBrk="0" hangingPunct="1">
+              <a:lnSpc>
+                <a:spcPts val="2200"/>
+              </a:lnSpc>
+              <a:spcBef>
+                <a:spcPts val="0"/>
+              </a:spcBef>
+              <a:buFont typeface="Arial" panose="020B0604020202020204" pitchFamily="34" charset="0"/>
+              <a:buChar char="–"/>
+              <a:defRPr sz="1800" kern="1200">
+                <a:solidFill>
+                  <a:schemeClr val="tx1"/>
+                </a:solidFill>
+                <a:latin typeface="+mn-lt"/>
+                <a:ea typeface="+mn-ea"/>
+                <a:cs typeface="+mn-cs"/>
+              </a:defRPr>
+            </a:lvl4pPr>
+            <a:lvl5pPr marL="720000" indent="-180000" algn="l" defTabSz="914400" rtl="0" eaLnBrk="1" latinLnBrk="0" hangingPunct="1">
+              <a:lnSpc>
+                <a:spcPts val="2200"/>
+              </a:lnSpc>
+              <a:spcBef>
+                <a:spcPts val="0"/>
+              </a:spcBef>
+              <a:buFont typeface="Arial" panose="020B0604020202020204" pitchFamily="34" charset="0"/>
+              <a:buChar char="–"/>
+              <a:defRPr sz="1800" kern="1200">
+                <a:solidFill>
+                  <a:schemeClr val="tx1"/>
+                </a:solidFill>
+                <a:latin typeface="+mn-lt"/>
+                <a:ea typeface="+mn-ea"/>
+                <a:cs typeface="+mn-cs"/>
+              </a:defRPr>
+            </a:lvl5pPr>
+            <a:lvl6pPr marL="2514600" indent="-228600" algn="l" defTabSz="914400" rtl="0" eaLnBrk="1" latinLnBrk="0" hangingPunct="1">
+              <a:spcBef>
+                <a:spcPct val="20000"/>
+              </a:spcBef>
+              <a:buFont typeface="Arial" panose="020B0604020202020204" pitchFamily="34" charset="0"/>
+              <a:buChar char="•"/>
+              <a:defRPr sz="2000" kern="1200">
+                <a:solidFill>
+                  <a:schemeClr val="tx1"/>
+                </a:solidFill>
+                <a:latin typeface="+mn-lt"/>
+                <a:ea typeface="+mn-ea"/>
+                <a:cs typeface="+mn-cs"/>
+              </a:defRPr>
+            </a:lvl6pPr>
+            <a:lvl7pPr marL="2971800" indent="-228600" algn="l" defTabSz="914400" rtl="0" eaLnBrk="1" latinLnBrk="0" hangingPunct="1">
+              <a:spcBef>
+                <a:spcPct val="20000"/>
+              </a:spcBef>
+              <a:buFont typeface="Arial" panose="020B0604020202020204" pitchFamily="34" charset="0"/>
+              <a:buChar char="•"/>
+              <a:defRPr sz="2000" kern="1200">
+                <a:solidFill>
+                  <a:schemeClr val="tx1"/>
+                </a:solidFill>
+                <a:latin typeface="+mn-lt"/>
+                <a:ea typeface="+mn-ea"/>
+                <a:cs typeface="+mn-cs"/>
+              </a:defRPr>
+            </a:lvl7pPr>
+            <a:lvl8pPr marL="3429000" indent="-228600" algn="l" defTabSz="914400" rtl="0" eaLnBrk="1" latinLnBrk="0" hangingPunct="1">
+              <a:spcBef>
+                <a:spcPct val="20000"/>
+              </a:spcBef>
+              <a:buFont typeface="Arial" panose="020B0604020202020204" pitchFamily="34" charset="0"/>
+              <a:buChar char="•"/>
+              <a:defRPr sz="2000" kern="1200">
+                <a:solidFill>
+                  <a:schemeClr val="tx1"/>
+                </a:solidFill>
+                <a:latin typeface="+mn-lt"/>
+                <a:ea typeface="+mn-ea"/>
+                <a:cs typeface="+mn-cs"/>
+              </a:defRPr>
+            </a:lvl8pPr>
+            <a:lvl9pPr marL="3886200" indent="-228600" algn="l" defTabSz="914400" rtl="0" eaLnBrk="1" latinLnBrk="0" hangingPunct="1">
+              <a:spcBef>
+                <a:spcPct val="20000"/>
+              </a:spcBef>
+              <a:buFont typeface="Arial" panose="020B0604020202020204" pitchFamily="34" charset="0"/>
+              <a:buChar char="•"/>
+              <a:defRPr sz="2000" kern="1200">
+                <a:solidFill>
+                  <a:schemeClr val="tx1"/>
+                </a:solidFill>
+                <a:latin typeface="+mn-lt"/>
+                <a:ea typeface="+mn-ea"/>
+                <a:cs typeface="+mn-cs"/>
+              </a:defRPr>
+            </a:lvl9pPr>
+          </a:lstStyle>
+          <a:p>
+            <a:pPr lvl="1"/>
+            <a:r>
+              <a:rPr lang="en-GB" dirty="0"/>
+              <a:t>While loop which takes input</a:t>
+            </a:r>
+          </a:p>
+          <a:p>
+            <a:pPr lvl="1"/>
+            <a:r>
+              <a:rPr lang="en-GB" dirty="0"/>
+              <a:t>Input then handled</a:t>
+            </a:r>
+          </a:p>
+          <a:p>
+            <a:pPr lvl="1"/>
+            <a:r>
+              <a:rPr lang="en-GB" dirty="0" err="1">
+                <a:solidFill>
+                  <a:srgbClr val="000000"/>
+                </a:solidFill>
+              </a:rPr>
+              <a:t>Readline</a:t>
+            </a:r>
+            <a:r>
+              <a:rPr lang="en-GB" dirty="0">
+                <a:solidFill>
+                  <a:srgbClr val="000000"/>
+                </a:solidFill>
+              </a:rPr>
+              <a:t> library used for command history</a:t>
             </a:r>
           </a:p>
         </p:txBody>
@@ -4123,36 +4296,6 @@
       </p:sp>
       <p:sp>
         <p:nvSpPr>
-          <p:cNvPr id="3" name="Inhaltsplatzhalter 2"/>
-          <p:cNvSpPr>
-            <a:spLocks noGrp="1"/>
-          </p:cNvSpPr>
-          <p:nvPr>
-            <p:ph idx="1"/>
-          </p:nvPr>
-        </p:nvSpPr>
-        <p:spPr>
-          <a:xfrm>
-            <a:off x="539552" y="3824105"/>
-            <a:ext cx="3635944" cy="612030"/>
-          </a:xfrm>
-        </p:spPr>
-        <p:txBody>
-          <a:bodyPr/>
-          <a:lstStyle/>
-          <a:p>
-            <a:pPr marL="180000" lvl="2" indent="0">
-              <a:buNone/>
-            </a:pPr>
-            <a:r>
-              <a:rPr lang="en-GB" dirty="0"/>
-              <a:t>File execution:</a:t>
-            </a:r>
-          </a:p>
-        </p:txBody>
-      </p:sp>
-      <p:sp>
-        <p:nvSpPr>
           <p:cNvPr id="4" name="Datumsplatzhalter 3"/>
           <p:cNvSpPr>
             <a:spLocks noGrp="1"/>
@@ -4244,7 +4387,7 @@
         </p:nvSpPr>
         <p:spPr>
           <a:xfrm>
-            <a:off x="683568" y="4183942"/>
+            <a:off x="431800" y="4399910"/>
             <a:ext cx="3744416" cy="1764536"/>
           </a:xfrm>
           <a:prstGeom prst="rect">
@@ -4393,7 +4536,7 @@
         </p:nvSpPr>
         <p:spPr>
           <a:xfrm>
-            <a:off x="4895906" y="1916832"/>
+            <a:off x="4644138" y="1930474"/>
             <a:ext cx="3744416" cy="1764536"/>
           </a:xfrm>
           <a:prstGeom prst="rect">
@@ -4493,8 +4636,8 @@
         </p:nvSpPr>
         <p:spPr>
           <a:xfrm>
-            <a:off x="4895906" y="1507842"/>
-            <a:ext cx="2664296" cy="648072"/>
+            <a:off x="4644138" y="1521484"/>
+            <a:ext cx="2664296" cy="408332"/>
           </a:xfrm>
           <a:prstGeom prst="rect">
             <a:avLst/>
@@ -4533,7 +4676,7 @@
         </p:nvSpPr>
         <p:spPr>
           <a:xfrm>
-            <a:off x="683568" y="1916174"/>
+            <a:off x="431800" y="1929816"/>
             <a:ext cx="3744416" cy="1764536"/>
           </a:xfrm>
           <a:prstGeom prst="rect">
@@ -4644,8 +4787,8 @@
         </p:nvSpPr>
         <p:spPr>
           <a:xfrm>
-            <a:off x="683568" y="1507184"/>
-            <a:ext cx="2664296" cy="648072"/>
+            <a:off x="431800" y="1520826"/>
+            <a:ext cx="2664296" cy="408990"/>
           </a:xfrm>
           <a:prstGeom prst="rect">
             <a:avLst/>
@@ -4684,8 +4827,8 @@
         </p:nvSpPr>
         <p:spPr>
           <a:xfrm>
-            <a:off x="4895906" y="3879057"/>
-            <a:ext cx="3564526" cy="1872208"/>
+            <a:off x="4644138" y="3990920"/>
+            <a:ext cx="3564526" cy="2173526"/>
           </a:xfrm>
           <a:prstGeom prst="rect">
             <a:avLst/>
@@ -4743,6 +4886,16 @@
             </a:r>
           </a:p>
           <a:p>
+            <a:pPr marL="800100" lvl="1" indent="-342900">
+              <a:lnSpc>
+                <a:spcPts val="2200"/>
+              </a:lnSpc>
+              <a:buFont typeface="Arial" panose="020B0604020202020204" pitchFamily="34" charset="0"/>
+              <a:buChar char="–"/>
+            </a:pPr>
+            <a:endParaRPr lang="en-US" dirty="0"/>
+          </a:p>
+          <a:p>
             <a:pPr marL="342900" indent="-342900">
               <a:lnSpc>
                 <a:spcPts val="2200"/>
@@ -4774,6 +4927,46 @@
             <a:r>
               <a:rPr lang="en-US" dirty="0"/>
               <a:t>guess letters until correct</a:t>
+            </a:r>
+          </a:p>
+        </p:txBody>
+      </p:sp>
+      <p:sp>
+        <p:nvSpPr>
+          <p:cNvPr id="17" name="TextBox 10">
+            <a:extLst>
+              <a:ext uri="{FF2B5EF4-FFF2-40B4-BE49-F238E27FC236}">
+                <a16:creationId xmlns:a16="http://schemas.microsoft.com/office/drawing/2014/main" id="{A8B267AC-AA24-8BFA-779D-A103FDDF496D}"/>
+              </a:ext>
+            </a:extLst>
+          </p:cNvPr>
+          <p:cNvSpPr txBox="1"/>
+          <p:nvPr/>
+        </p:nvSpPr>
+        <p:spPr>
+          <a:xfrm>
+            <a:off x="431800" y="3990920"/>
+            <a:ext cx="2686681" cy="408990"/>
+          </a:xfrm>
+          <a:prstGeom prst="rect">
+            <a:avLst/>
+          </a:prstGeom>
+          <a:noFill/>
+        </p:spPr>
+        <p:txBody>
+          <a:bodyPr wrap="square" lIns="0" tIns="0" rIns="0" bIns="0" rtlCol="0">
+            <a:noAutofit/>
+          </a:bodyPr>
+          <a:lstStyle/>
+          <a:p>
+            <a:pPr>
+              <a:lnSpc>
+                <a:spcPts val="2200"/>
+              </a:lnSpc>
+            </a:pPr>
+            <a:r>
+              <a:rPr lang="en-US" dirty="0"/>
+              <a:t>File execution:</a:t>
             </a:r>
           </a:p>
         </p:txBody>
@@ -4849,7 +5042,7 @@
             <a:pPr lvl="1"/>
             <a:r>
               <a:rPr lang="en-GB" dirty="0"/>
-              <a:t>The productivity mode is a separate thread.</a:t>
+              <a:t>The productivity mode is a separate thread</a:t>
             </a:r>
           </a:p>
           <a:p>
@@ -4860,7 +5053,7 @@
             <a:pPr lvl="1"/>
             <a:r>
               <a:rPr lang="en-GB" dirty="0"/>
-              <a:t>If a new window is created, the blocked processes are killed.</a:t>
+              <a:t>If a new window is created, the blocked processes are killed</a:t>
             </a:r>
           </a:p>
         </p:txBody>
@@ -5202,21 +5395,16 @@
               <a:rPr lang="en-GB" b="1" dirty="0"/>
               <a:t>/etc/hosts</a:t>
             </a:r>
+          </a:p>
+          <a:p>
+            <a:pPr lvl="1"/>
+            <a:endParaRPr lang="en-GB" dirty="0"/>
+          </a:p>
+          <a:p>
+            <a:pPr lvl="1"/>
             <a:r>
               <a:rPr lang="en-GB" dirty="0"/>
-              <a:t>.</a:t>
-            </a:r>
-            <a:endParaRPr lang="en-GB" b="1" dirty="0"/>
-          </a:p>
-          <a:p>
-            <a:pPr lvl="1"/>
-            <a:endParaRPr lang="en-GB" dirty="0"/>
-          </a:p>
-          <a:p>
-            <a:pPr lvl="1"/>
-            <a:r>
-              <a:rPr lang="en-GB" dirty="0"/>
-              <a:t>Modifying the hosts file needs root permissions.</a:t>
+              <a:t>Modifying the hosts file needs root permissions</a:t>
             </a:r>
           </a:p>
           <a:p>
@@ -5233,10 +5421,7 @@
               <a:rPr lang="en-GB" b="1" dirty="0" err="1"/>
               <a:t>sudo</a:t>
             </a:r>
-            <a:r>
-              <a:rPr lang="en-GB" dirty="0"/>
-              <a:t>.</a:t>
-            </a:r>
+            <a:endParaRPr lang="en-GB" dirty="0"/>
           </a:p>
           <a:p>
             <a:pPr lvl="1"/>
@@ -6498,7 +6683,7 @@
             </a:pPr>
             <a:r>
               <a:rPr lang="en-GB" dirty="0"/>
-              <a:t>Start productivity mode.</a:t>
+              <a:t>Start productivity mode</a:t>
             </a:r>
           </a:p>
           <a:p>
@@ -7695,7 +7880,7 @@
             </a:pPr>
             <a:r>
               <a:rPr lang="en-GB" dirty="0"/>
-              <a:t>Start productivity mode.</a:t>
+              <a:t>Start productivity mode</a:t>
             </a:r>
           </a:p>
           <a:p>
@@ -7710,7 +7895,7 @@
             </a:pPr>
             <a:r>
               <a:rPr lang="en-GB" dirty="0"/>
-              <a:t>Work on your project.</a:t>
+              <a:t>Work on your project</a:t>
             </a:r>
           </a:p>
           <a:p>
@@ -8907,7 +9092,7 @@
             </a:pPr>
             <a:r>
               <a:rPr lang="en-GB" dirty="0"/>
-              <a:t>Start productivity mode.</a:t>
+              <a:t>Start productivity mode</a:t>
             </a:r>
           </a:p>
           <a:p>
@@ -8922,7 +9107,7 @@
             </a:pPr>
             <a:r>
               <a:rPr lang="en-GB" dirty="0"/>
-              <a:t>Work on your project.</a:t>
+              <a:t>Work on your project</a:t>
             </a:r>
           </a:p>
           <a:p>
@@ -10694,7 +10879,7 @@
             </a:pPr>
             <a:r>
               <a:rPr lang="en-GB" dirty="0"/>
-              <a:t>Start productivity mode.</a:t>
+              <a:t>Start productivity mode</a:t>
             </a:r>
           </a:p>
           <a:p>
@@ -10709,7 +10894,7 @@
             </a:pPr>
             <a:r>
               <a:rPr lang="en-GB" dirty="0"/>
-              <a:t>Work on your project.</a:t>
+              <a:t>Work on your project</a:t>
             </a:r>
           </a:p>
           <a:p>
@@ -10724,7 +10909,7 @@
             </a:pPr>
             <a:r>
               <a:rPr lang="en-GB" dirty="0"/>
-              <a:t>If you try to open a distracting app or website, you will receive an error.</a:t>
+              <a:t>If you try to open a distracting app or website, you will receive an error</a:t>
             </a:r>
           </a:p>
           <a:p>
@@ -10796,31 +10981,6 @@
       </p:sp>
       <p:sp>
         <p:nvSpPr>
-          <p:cNvPr id="3" name="Inhaltsplatzhalter 2"/>
-          <p:cNvSpPr>
-            <a:spLocks noGrp="1"/>
-          </p:cNvSpPr>
-          <p:nvPr>
-            <p:ph idx="1"/>
-          </p:nvPr>
-        </p:nvSpPr>
-        <p:spPr/>
-        <p:txBody>
-          <a:bodyPr/>
-          <a:lstStyle/>
-          <a:p>
-            <a:pPr marL="0" lvl="1" indent="0">
-              <a:buNone/>
-            </a:pPr>
-            <a:r>
-              <a:rPr lang="en-GB" dirty="0"/>
-              <a:t>Overview of the program</a:t>
-            </a:r>
-          </a:p>
-        </p:txBody>
-      </p:sp>
-      <p:sp>
-        <p:nvSpPr>
           <p:cNvPr id="4" name="Datumsplatzhalter 3"/>
           <p:cNvSpPr>
             <a:spLocks noGrp="1"/>
@@ -10912,7 +11072,7 @@
         </p:nvGrpSpPr>
         <p:grpSpPr>
           <a:xfrm>
-            <a:off x="431800" y="2132856"/>
+            <a:off x="431800" y="1538783"/>
             <a:ext cx="1008112" cy="1008112"/>
             <a:chOff x="431800" y="1528637"/>
             <a:chExt cx="1008112" cy="1008112"/>
@@ -11048,7 +11208,7 @@
         </p:nvGrpSpPr>
         <p:grpSpPr>
           <a:xfrm>
-            <a:off x="431800" y="3375001"/>
+            <a:off x="431800" y="2780928"/>
             <a:ext cx="1008112" cy="1008112"/>
             <a:chOff x="431800" y="1528637"/>
             <a:chExt cx="1008112" cy="1008112"/>
@@ -11184,7 +11344,7 @@
         </p:nvGrpSpPr>
         <p:grpSpPr>
           <a:xfrm>
-            <a:off x="431800" y="4617146"/>
+            <a:off x="431800" y="4023073"/>
             <a:ext cx="1008112" cy="1008112"/>
             <a:chOff x="431800" y="1528637"/>
             <a:chExt cx="1008112" cy="1008112"/>
@@ -11320,7 +11480,7 @@
         </p:nvSpPr>
         <p:spPr>
           <a:xfrm>
-            <a:off x="1655527" y="2453195"/>
+            <a:off x="1655527" y="1859122"/>
             <a:ext cx="2088232" cy="288032"/>
           </a:xfrm>
           <a:prstGeom prst="rect">
@@ -11361,7 +11521,7 @@
         </p:nvSpPr>
         <p:spPr>
           <a:xfrm>
-            <a:off x="1655527" y="3695340"/>
+            <a:off x="1655527" y="3101267"/>
             <a:ext cx="2088232" cy="288032"/>
           </a:xfrm>
           <a:prstGeom prst="rect">
@@ -11402,7 +11562,7 @@
         </p:nvSpPr>
         <p:spPr>
           <a:xfrm>
-            <a:off x="1655527" y="4911521"/>
+            <a:off x="1655527" y="4317448"/>
             <a:ext cx="2088232" cy="288032"/>
           </a:xfrm>
           <a:prstGeom prst="rect">
@@ -11443,7 +11603,7 @@
         </p:nvGrpSpPr>
         <p:grpSpPr>
           <a:xfrm>
-            <a:off x="4605554" y="2132856"/>
+            <a:off x="4605554" y="1538783"/>
             <a:ext cx="1008112" cy="1008112"/>
             <a:chOff x="431800" y="1528637"/>
             <a:chExt cx="1008112" cy="1008112"/>
@@ -11579,7 +11739,7 @@
         </p:nvSpPr>
         <p:spPr>
           <a:xfrm>
-            <a:off x="5829690" y="2453195"/>
+            <a:off x="5829690" y="1859122"/>
             <a:ext cx="2088232" cy="288032"/>
           </a:xfrm>
           <a:prstGeom prst="rect">
@@ -11620,7 +11780,7 @@
         </p:nvGrpSpPr>
         <p:grpSpPr>
           <a:xfrm>
-            <a:off x="4603685" y="3375001"/>
+            <a:off x="4603685" y="2780928"/>
             <a:ext cx="1008112" cy="1008112"/>
             <a:chOff x="431800" y="1528637"/>
             <a:chExt cx="1008112" cy="1008112"/>
@@ -11756,7 +11916,7 @@
         </p:nvSpPr>
         <p:spPr>
           <a:xfrm>
-            <a:off x="5827412" y="3695340"/>
+            <a:off x="5827412" y="3101267"/>
             <a:ext cx="2088232" cy="288032"/>
           </a:xfrm>
           <a:prstGeom prst="rect">
@@ -11780,6 +11940,43 @@
               <a:t>productivity_mode.h</a:t>
             </a:r>
             <a:endParaRPr lang="en-US" dirty="0"/>
+          </a:p>
+        </p:txBody>
+      </p:sp>
+      <p:sp>
+        <p:nvSpPr>
+          <p:cNvPr id="19" name="Textfeld 18">
+            <a:extLst>
+              <a:ext uri="{FF2B5EF4-FFF2-40B4-BE49-F238E27FC236}">
+                <a16:creationId xmlns:a16="http://schemas.microsoft.com/office/drawing/2014/main" id="{9DE31303-C616-2CB5-23CA-3308188D8399}"/>
+              </a:ext>
+            </a:extLst>
+          </p:cNvPr>
+          <p:cNvSpPr txBox="1"/>
+          <p:nvPr/>
+        </p:nvSpPr>
+        <p:spPr>
+          <a:xfrm>
+            <a:off x="-498764" y="1704109"/>
+            <a:ext cx="0" cy="0"/>
+          </a:xfrm>
+          <a:prstGeom prst="rect">
+            <a:avLst/>
+          </a:prstGeom>
+          <a:noFill/>
+        </p:spPr>
+        <p:txBody>
+          <a:bodyPr wrap="none" lIns="0" tIns="0" rIns="0" bIns="0" rtlCol="0">
+            <a:noAutofit/>
+          </a:bodyPr>
+          <a:lstStyle/>
+          <a:p>
+            <a:pPr>
+              <a:lnSpc>
+                <a:spcPts val="2200"/>
+              </a:lnSpc>
+            </a:pPr>
+            <a:endParaRPr lang="en-GB" dirty="0"/>
           </a:p>
         </p:txBody>
       </p:sp>
